--- a/intern-pre.pptx
+++ b/intern-pre.pptx
@@ -600,7 +600,7 @@
           <a:effectLst/>
           <a:extLst>
             <a:ext uri="{91240B29-F687-4f45-9708-019B960494DF}">
-              <a14:hiddenLine xmlns="" xmlns:a14="http://schemas.microsoft.com/office/drawing/2010/main" w="9525">
+              <a14:hiddenLine xmlns:a14="http://schemas.microsoft.com/office/drawing/2010/main" xmlns="" w="9525">
                 <a:solidFill>
                   <a:srgbClr val="000000"/>
                 </a:solidFill>
@@ -2110,7 +2110,7 @@
           <a:ln/>
           <a:extLst>
             <a:ext uri="{91240B29-F687-4f45-9708-019B960494DF}">
-              <a14:hiddenLine xmlns="" xmlns:a14="http://schemas.microsoft.com/office/drawing/2010/main" w="9525">
+              <a14:hiddenLine xmlns:a14="http://schemas.microsoft.com/office/drawing/2010/main" xmlns="" w="9525">
                 <a:solidFill>
                   <a:srgbClr val="000000"/>
                 </a:solidFill>
@@ -2414,7 +2414,7 @@
           <a:ln/>
           <a:extLst>
             <a:ext uri="{91240B29-F687-4f45-9708-019B960494DF}">
-              <a14:hiddenLine xmlns="" xmlns:a14="http://schemas.microsoft.com/office/drawing/2010/main" w="9525">
+              <a14:hiddenLine xmlns:a14="http://schemas.microsoft.com/office/drawing/2010/main" xmlns="" w="9525">
                 <a:solidFill>
                   <a:srgbClr val="000000"/>
                 </a:solidFill>
@@ -2726,7 +2726,7 @@
           <a:ln/>
           <a:extLst>
             <a:ext uri="{91240B29-F687-4f45-9708-019B960494DF}">
-              <a14:hiddenLine xmlns="" xmlns:a14="http://schemas.microsoft.com/office/drawing/2010/main" w="9525">
+              <a14:hiddenLine xmlns:a14="http://schemas.microsoft.com/office/drawing/2010/main" xmlns="" w="9525">
                 <a:solidFill>
                   <a:srgbClr val="000000"/>
                 </a:solidFill>
@@ -3378,7 +3378,7 @@
           <a:ln/>
           <a:extLst>
             <a:ext uri="{91240B29-F687-4f45-9708-019B960494DF}">
-              <a14:hiddenLine xmlns="" xmlns:a14="http://schemas.microsoft.com/office/drawing/2010/main" w="9525">
+              <a14:hiddenLine xmlns:a14="http://schemas.microsoft.com/office/drawing/2010/main" xmlns="" w="9525">
                 <a:solidFill>
                   <a:srgbClr val="000000"/>
                 </a:solidFill>
@@ -3778,7 +3778,7 @@
           <a:ln/>
           <a:extLst>
             <a:ext uri="{91240B29-F687-4f45-9708-019B960494DF}">
-              <a14:hiddenLine xmlns="" xmlns:a14="http://schemas.microsoft.com/office/drawing/2010/main" w="9525">
+              <a14:hiddenLine xmlns:a14="http://schemas.microsoft.com/office/drawing/2010/main" xmlns="" w="9525">
                 <a:solidFill>
                   <a:srgbClr val="000000"/>
                 </a:solidFill>
@@ -4316,7 +4316,7 @@
           <a:ln/>
           <a:extLst>
             <a:ext uri="{91240B29-F687-4f45-9708-019B960494DF}">
-              <a14:hiddenLine xmlns="" xmlns:a14="http://schemas.microsoft.com/office/drawing/2010/main" w="9525">
+              <a14:hiddenLine xmlns:a14="http://schemas.microsoft.com/office/drawing/2010/main" xmlns="" w="9525">
                 <a:solidFill>
                   <a:srgbClr val="000000"/>
                 </a:solidFill>
@@ -4739,7 +4739,7 @@
           <a:ln/>
           <a:extLst>
             <a:ext uri="{91240B29-F687-4f45-9708-019B960494DF}">
-              <a14:hiddenLine xmlns="" xmlns:a14="http://schemas.microsoft.com/office/drawing/2010/main" w="9525">
+              <a14:hiddenLine xmlns:a14="http://schemas.microsoft.com/office/drawing/2010/main" xmlns="" w="9525">
                 <a:solidFill>
                   <a:srgbClr val="000000"/>
                 </a:solidFill>
@@ -6544,11 +6544,7 @@
             </a:r>
             <a:r>
               <a:rPr lang="ja-JP" altLang="en-US" sz="3200" dirty="0" smtClean="0"/>
-              <a:t>ダイビング、</a:t>
-            </a:r>
-            <a:r>
-              <a:rPr lang="ja-JP" altLang="en-US" sz="3200" dirty="0" smtClean="0"/>
-              <a:t>睡眠、食事</a:t>
+              <a:t>ダイビング、睡眠、食事</a:t>
             </a:r>
             <a:endParaRPr lang="en-US" altLang="ja-JP" sz="3200" dirty="0" smtClean="0"/>
           </a:p>
@@ -6570,6 +6566,13 @@
   <p:clrMapOvr>
     <a:masterClrMapping/>
   </p:clrMapOvr>
+  <p:timing>
+    <p:tnLst>
+      <p:par>
+        <p:cTn id="1" dur="indefinite" restart="never" nodeType="tmRoot"/>
+      </p:par>
+    </p:tnLst>
+  </p:timing>
 </p:sld>
 </file>
 
@@ -6625,13 +6628,13 @@
         </p:nvSpPr>
         <p:spPr>
           <a:xfrm>
-            <a:off x="810000" y="3221489"/>
-            <a:ext cx="10554574" cy="3636511"/>
+            <a:off x="810000" y="2899200"/>
+            <a:ext cx="11122170" cy="3958800"/>
           </a:xfrm>
         </p:spPr>
         <p:txBody>
           <a:bodyPr>
-            <a:normAutofit/>
+            <a:normAutofit fontScale="92500"/>
           </a:bodyPr>
           <a:lstStyle/>
           <a:p>
@@ -6645,11 +6648,7 @@
             </a:r>
             <a:r>
               <a:rPr kumimoji="1" lang="ja-JP" altLang="en-US" sz="3200" dirty="0" smtClean="0"/>
-              <a:t>東京に引越しを考えて</a:t>
-            </a:r>
-            <a:r>
-              <a:rPr kumimoji="1" lang="ja-JP" altLang="en-US" sz="3200" dirty="0" smtClean="0"/>
-              <a:t>いる</a:t>
+              <a:t>東京に引越しを考えている</a:t>
             </a:r>
             <a:r>
               <a:rPr lang="ja-JP" altLang="en-US" sz="3200" dirty="0" smtClean="0"/>
@@ -6668,11 +6667,7 @@
             </a:r>
             <a:r>
               <a:rPr kumimoji="1" lang="ja-JP" altLang="en-US" sz="3200" dirty="0" smtClean="0"/>
-              <a:t>自分の理想にあった家を</a:t>
-            </a:r>
-            <a:r>
-              <a:rPr kumimoji="1" lang="ja-JP" altLang="en-US" sz="3200" dirty="0" smtClean="0"/>
-              <a:t>借りたい</a:t>
+              <a:t>自分の理想にあった家を借りたい</a:t>
             </a:r>
             <a:endParaRPr kumimoji="1" lang="en-US" altLang="ja-JP" sz="3200" dirty="0" smtClean="0"/>
           </a:p>
@@ -6687,11 +6682,30 @@
             </a:r>
             <a:r>
               <a:rPr lang="ja-JP" altLang="en-US" sz="3200" dirty="0" smtClean="0"/>
-              <a:t>既存のサービスでは検索の条件が</a:t>
-            </a:r>
+              <a:t>既存のサービスでは検索の条件が多すぎる</a:t>
+            </a:r>
+            <a:r>
+              <a:rPr lang="en-US" altLang="ja-JP" sz="3200" dirty="0" smtClean="0"/>
+              <a:t/>
+            </a:r>
+            <a:br>
+              <a:rPr lang="en-US" altLang="ja-JP" sz="3200" dirty="0" smtClean="0"/>
+            </a:br>
             <a:r>
               <a:rPr lang="ja-JP" altLang="en-US" sz="3200" dirty="0" smtClean="0"/>
-              <a:t>多すぎる</a:t>
+              <a:t>　　</a:t>
+            </a:r>
+            <a:r>
+              <a:rPr lang="en-US" altLang="ja-JP" sz="3200" dirty="0" smtClean="0"/>
+              <a:t> </a:t>
+            </a:r>
+            <a:r>
+              <a:rPr lang="ja-JP" altLang="en-US" sz="3200" dirty="0" smtClean="0"/>
+              <a:t>様々な条件を少しずつ変更して</a:t>
+            </a:r>
+            <a:r>
+              <a:rPr lang="ja-JP" altLang="en-US" sz="3200" dirty="0" smtClean="0"/>
+              <a:t>検索するのが面倒くさい</a:t>
             </a:r>
             <a:endParaRPr kumimoji="1" lang="en-US" altLang="ja-JP" sz="3200" dirty="0" smtClean="0"/>
           </a:p>
@@ -6706,7 +6720,22 @@
             </a:r>
             <a:r>
               <a:rPr lang="ja-JP" altLang="en-US" sz="3200" dirty="0" smtClean="0"/>
-              <a:t>直感的に検索し、だいたいどのあたりが空いているのか分かるようにした。</a:t>
+              <a:t>直感的に検索し、だいたいどのあたりが空いているのか分かるようにした</a:t>
+            </a:r>
+            <a:r>
+              <a:rPr lang="ja-JP" altLang="en-US" sz="3200" dirty="0" smtClean="0"/>
+              <a:t>。</a:t>
+            </a:r>
+            <a:r>
+              <a:rPr lang="en-US" altLang="ja-JP" sz="3200" dirty="0" smtClean="0"/>
+              <a:t/>
+            </a:r>
+            <a:br>
+              <a:rPr lang="en-US" altLang="ja-JP" sz="3200" dirty="0" smtClean="0"/>
+            </a:br>
+            <a:r>
+              <a:rPr lang="ja-JP" altLang="en-US" sz="3200" dirty="0" smtClean="0"/>
+              <a:t>検索の煩わしさを解消</a:t>
             </a:r>
             <a:endParaRPr kumimoji="1" lang="en-US" altLang="ja-JP" sz="3200" dirty="0" smtClean="0"/>
           </a:p>
@@ -6728,6 +6757,13 @@
   <p:clrMapOvr>
     <a:masterClrMapping/>
   </p:clrMapOvr>
+  <p:timing>
+    <p:tnLst>
+      <p:par>
+        <p:cTn id="1" dur="indefinite" restart="never" nodeType="tmRoot"/>
+      </p:par>
+    </p:tnLst>
+  </p:timing>
 </p:sld>
 </file>
 
@@ -6843,6 +6879,13 @@
   <p:clrMapOvr>
     <a:masterClrMapping/>
   </p:clrMapOvr>
+  <p:timing>
+    <p:tnLst>
+      <p:par>
+        <p:cTn id="1" dur="indefinite" restart="never" nodeType="tmRoot"/>
+      </p:par>
+    </p:tnLst>
+  </p:timing>
 </p:sld>
 </file>
 

--- a/intern-pre.pptx
+++ b/intern-pre.pptx
@@ -5,7 +5,7 @@
     <p:sldMasterId id="2147483648" r:id="rId1"/>
   </p:sldMasterIdLst>
   <p:notesMasterIdLst>
-    <p:notesMasterId r:id="rId11"/>
+    <p:notesMasterId r:id="rId15"/>
   </p:notesMasterIdLst>
   <p:sldIdLst>
     <p:sldId id="256" r:id="rId2"/>
@@ -13,10 +13,14 @@
     <p:sldId id="261" r:id="rId4"/>
     <p:sldId id="262" r:id="rId5"/>
     <p:sldId id="258" r:id="rId6"/>
-    <p:sldId id="259" r:id="rId7"/>
-    <p:sldId id="257" r:id="rId8"/>
-    <p:sldId id="264" r:id="rId9"/>
-    <p:sldId id="263" r:id="rId10"/>
+    <p:sldId id="268" r:id="rId7"/>
+    <p:sldId id="267" r:id="rId8"/>
+    <p:sldId id="259" r:id="rId9"/>
+    <p:sldId id="257" r:id="rId10"/>
+    <p:sldId id="265" r:id="rId11"/>
+    <p:sldId id="266" r:id="rId12"/>
+    <p:sldId id="264" r:id="rId13"/>
+    <p:sldId id="263" r:id="rId14"/>
   </p:sldIdLst>
   <p:sldSz cx="12192000" cy="6858000"/>
   <p:notesSz cx="6858000" cy="9144000"/>
@@ -269,70 +273,69 @@
           <a:p>
             <a:pPr lvl="0"/>
             <a:r>
-              <a:rPr kumimoji="1" lang="ja-JP" altLang="en-US" smtClean="0"/>
+              <a:rPr kumimoji="1" lang="ja-JP" altLang="en-US"/>
               <a:t>マスター テキストの書式設定</a:t>
             </a:r>
           </a:p>
           <a:p>
             <a:pPr lvl="1"/>
             <a:r>
-              <a:rPr kumimoji="1" lang="ja-JP" altLang="en-US" smtClean="0"/>
+              <a:rPr kumimoji="1" lang="ja-JP" altLang="en-US"/>
               <a:t>第 </a:t>
             </a:r>
             <a:r>
-              <a:rPr kumimoji="1" lang="en-US" altLang="ja-JP" smtClean="0"/>
+              <a:rPr kumimoji="1" lang="en-US" altLang="ja-JP"/>
               <a:t>2 </a:t>
             </a:r>
             <a:r>
-              <a:rPr kumimoji="1" lang="ja-JP" altLang="en-US" smtClean="0"/>
+              <a:rPr kumimoji="1" lang="ja-JP" altLang="en-US"/>
               <a:t>レベル</a:t>
             </a:r>
           </a:p>
           <a:p>
             <a:pPr lvl="2"/>
             <a:r>
-              <a:rPr kumimoji="1" lang="ja-JP" altLang="en-US" smtClean="0"/>
+              <a:rPr kumimoji="1" lang="ja-JP" altLang="en-US"/>
               <a:t>第 </a:t>
             </a:r>
             <a:r>
-              <a:rPr kumimoji="1" lang="en-US" altLang="ja-JP" smtClean="0"/>
+              <a:rPr kumimoji="1" lang="en-US" altLang="ja-JP"/>
               <a:t>3 </a:t>
             </a:r>
             <a:r>
-              <a:rPr kumimoji="1" lang="ja-JP" altLang="en-US" smtClean="0"/>
+              <a:rPr kumimoji="1" lang="ja-JP" altLang="en-US"/>
               <a:t>レベル</a:t>
             </a:r>
           </a:p>
           <a:p>
             <a:pPr lvl="3"/>
             <a:r>
-              <a:rPr kumimoji="1" lang="ja-JP" altLang="en-US" smtClean="0"/>
+              <a:rPr kumimoji="1" lang="ja-JP" altLang="en-US"/>
               <a:t>第 </a:t>
             </a:r>
             <a:r>
-              <a:rPr kumimoji="1" lang="en-US" altLang="ja-JP" smtClean="0"/>
+              <a:rPr kumimoji="1" lang="en-US" altLang="ja-JP"/>
               <a:t>4 </a:t>
             </a:r>
             <a:r>
-              <a:rPr kumimoji="1" lang="ja-JP" altLang="en-US" smtClean="0"/>
+              <a:rPr kumimoji="1" lang="ja-JP" altLang="en-US"/>
               <a:t>レベル</a:t>
             </a:r>
           </a:p>
           <a:p>
             <a:pPr lvl="4"/>
             <a:r>
-              <a:rPr kumimoji="1" lang="ja-JP" altLang="en-US" smtClean="0"/>
+              <a:rPr kumimoji="1" lang="ja-JP" altLang="en-US"/>
               <a:t>第 </a:t>
             </a:r>
             <a:r>
-              <a:rPr kumimoji="1" lang="en-US" altLang="ja-JP" smtClean="0"/>
+              <a:rPr kumimoji="1" lang="en-US" altLang="ja-JP"/>
               <a:t>5 </a:t>
             </a:r>
             <a:r>
-              <a:rPr kumimoji="1" lang="ja-JP" altLang="en-US" smtClean="0"/>
+              <a:rPr kumimoji="1" lang="ja-JP" altLang="en-US"/>
               <a:t>レベル</a:t>
             </a:r>
-            <a:endParaRPr kumimoji="1" lang="ja-JP" altLang="en-US"/>
           </a:p>
         </p:txBody>
       </p:sp>
@@ -600,7 +603,7 @@
           <a:effectLst/>
           <a:extLst>
             <a:ext uri="{91240B29-F687-4f45-9708-019B960494DF}">
-              <a14:hiddenLine xmlns:a14="http://schemas.microsoft.com/office/drawing/2010/main" xmlns="" w="9525">
+              <a14:hiddenLine xmlns="" xmlns:a14="http://schemas.microsoft.com/office/drawing/2010/main" w="9525">
                 <a:solidFill>
                   <a:srgbClr val="000000"/>
                 </a:solidFill>
@@ -651,7 +654,7 @@
           </a:lstStyle>
           <a:p>
             <a:r>
-              <a:rPr lang="ja-JP" altLang="en-US" smtClean="0"/>
+              <a:rPr lang="ja-JP" altLang="en-US"/>
               <a:t>マスター タイトルの書式設定</a:t>
             </a:r>
             <a:endParaRPr lang="en-US" dirty="0"/>
@@ -768,7 +771,7 @@
           </a:lstStyle>
           <a:p>
             <a:r>
-              <a:rPr lang="ja-JP" altLang="en-US" smtClean="0"/>
+              <a:rPr lang="ja-JP" altLang="en-US"/>
               <a:t>マスター サブタイトルの書式設定</a:t>
             </a:r>
             <a:endParaRPr lang="en-US" dirty="0"/>
@@ -793,7 +796,7 @@
             <a:fld id="{08B9EBBA-996F-894A-B54A-D6246ED52CEA}" type="datetimeFigureOut">
               <a:rPr lang="en-US" dirty="0"/>
               <a:pPr/>
-              <a:t>9/30/16</a:t>
+              <a:t>9/30/2016</a:t>
             </a:fld>
             <a:endParaRPr lang="en-US" dirty="0"/>
           </a:p>
@@ -894,7 +897,7 @@
           </a:lstStyle>
           <a:p>
             <a:r>
-              <a:rPr lang="ja-JP" altLang="en-US" smtClean="0"/>
+              <a:rPr lang="ja-JP" altLang="en-US"/>
               <a:t>マスター タイトルの書式設定</a:t>
             </a:r>
             <a:endParaRPr lang="en-US" dirty="0"/>
@@ -1016,7 +1019,7 @@
           </a:lstStyle>
           <a:p>
             <a:r>
-              <a:rPr lang="ja-JP" altLang="en-US" smtClean="0"/>
+              <a:rPr lang="ja-JP" altLang="en-US"/>
               <a:t>プレースホルダーまでドラッグするかアイコンをクリックして図を追加</a:t>
             </a:r>
             <a:endParaRPr lang="en-US" dirty="0"/>
@@ -1084,7 +1087,7 @@
           <a:p>
             <a:pPr lvl="0"/>
             <a:r>
-              <a:rPr lang="ja-JP" altLang="en-US" smtClean="0"/>
+              <a:rPr lang="ja-JP" altLang="en-US"/>
               <a:t>マスター テキストの書式設定</a:t>
             </a:r>
           </a:p>
@@ -1108,7 +1111,7 @@
             <a:fld id="{18C79C5D-2A6F-F04D-97DA-BEF2467B64E4}" type="datetimeFigureOut">
               <a:rPr lang="en-US" dirty="0"/>
               <a:pPr/>
-              <a:t>9/30/16</a:t>
+              <a:t>9/30/2016</a:t>
             </a:fld>
             <a:endParaRPr lang="en-US" dirty="0"/>
           </a:p>
@@ -1415,7 +1418,7 @@
           </a:lstStyle>
           <a:p>
             <a:r>
-              <a:rPr lang="ja-JP" altLang="en-US" smtClean="0"/>
+              <a:rPr lang="ja-JP" altLang="en-US"/>
               <a:t>マスター タイトルの書式設定</a:t>
             </a:r>
             <a:endParaRPr lang="en-US" dirty="0"/>
@@ -1535,7 +1538,7 @@
           <a:p>
             <a:pPr lvl="0"/>
             <a:r>
-              <a:rPr lang="ja-JP" altLang="en-US" smtClean="0"/>
+              <a:rPr lang="ja-JP" altLang="en-US"/>
               <a:t>マスター テキストの書式設定</a:t>
             </a:r>
           </a:p>
@@ -1569,7 +1572,7 @@
           <a:p>
             <a:pPr lvl="0"/>
             <a:r>
-              <a:rPr lang="ja-JP" altLang="en-US" smtClean="0"/>
+              <a:rPr lang="ja-JP" altLang="en-US"/>
               <a:t>マスター テキストの書式設定</a:t>
             </a:r>
           </a:p>
@@ -1593,7 +1596,7 @@
             <a:fld id="{8DFA1846-DA80-1C48-A609-854EA85C59AD}" type="datetimeFigureOut">
               <a:rPr lang="en-US" dirty="0"/>
               <a:pPr/>
-              <a:t>9/30/16</a:t>
+              <a:t>9/30/2016</a:t>
             </a:fld>
             <a:endParaRPr lang="en-US" dirty="0"/>
           </a:p>
@@ -1900,7 +1903,7 @@
           </a:lstStyle>
           <a:p>
             <a:r>
-              <a:rPr lang="ja-JP" altLang="en-US" smtClean="0"/>
+              <a:rPr lang="ja-JP" altLang="en-US"/>
               <a:t>マスター タイトルの書式設定</a:t>
             </a:r>
             <a:endParaRPr lang="en-US" dirty="0"/>
@@ -1935,7 +1938,7 @@
           <a:p>
             <a:pPr lvl="0"/>
             <a:r>
-              <a:rPr lang="ja-JP" altLang="en-US" smtClean="0"/>
+              <a:rPr lang="ja-JP" altLang="en-US"/>
               <a:t>マスター テキストの書式設定</a:t>
             </a:r>
           </a:p>
@@ -1959,7 +1962,7 @@
             <a:fld id="{FBF54567-0DE4-3F47-BF90-CB84690072F9}" type="datetimeFigureOut">
               <a:rPr lang="en-US" dirty="0"/>
               <a:pPr/>
-              <a:t>9/30/16</a:t>
+              <a:t>9/30/2016</a:t>
             </a:fld>
             <a:endParaRPr lang="en-US" dirty="0"/>
           </a:p>
@@ -2110,7 +2113,7 @@
           <a:ln/>
           <a:extLst>
             <a:ext uri="{91240B29-F687-4f45-9708-019B960494DF}">
-              <a14:hiddenLine xmlns:a14="http://schemas.microsoft.com/office/drawing/2010/main" xmlns="" w="9525">
+              <a14:hiddenLine xmlns="" xmlns:a14="http://schemas.microsoft.com/office/drawing/2010/main" w="9525">
                 <a:solidFill>
                   <a:srgbClr val="000000"/>
                 </a:solidFill>
@@ -2152,7 +2155,7 @@
           <a:lstStyle/>
           <a:p>
             <a:r>
-              <a:rPr lang="ja-JP" altLang="en-US" smtClean="0"/>
+              <a:rPr lang="ja-JP" altLang="en-US"/>
               <a:t>マスター タイトルの書式設定</a:t>
             </a:r>
             <a:endParaRPr lang="en-US" dirty="0"/>
@@ -2176,67 +2179,67 @@
           <a:p>
             <a:pPr lvl="0"/>
             <a:r>
-              <a:rPr lang="ja-JP" altLang="en-US" smtClean="0"/>
+              <a:rPr lang="ja-JP" altLang="en-US"/>
               <a:t>マスター テキストの書式設定</a:t>
             </a:r>
           </a:p>
           <a:p>
             <a:pPr lvl="1"/>
             <a:r>
-              <a:rPr lang="ja-JP" altLang="en-US" smtClean="0"/>
+              <a:rPr lang="ja-JP" altLang="en-US"/>
               <a:t>第 </a:t>
             </a:r>
             <a:r>
-              <a:rPr lang="en-US" altLang="ja-JP" smtClean="0"/>
+              <a:rPr lang="en-US" altLang="ja-JP"/>
               <a:t>2 </a:t>
             </a:r>
             <a:r>
-              <a:rPr lang="ja-JP" altLang="en-US" smtClean="0"/>
+              <a:rPr lang="ja-JP" altLang="en-US"/>
               <a:t>レベル</a:t>
             </a:r>
           </a:p>
           <a:p>
             <a:pPr lvl="2"/>
             <a:r>
-              <a:rPr lang="ja-JP" altLang="en-US" smtClean="0"/>
+              <a:rPr lang="ja-JP" altLang="en-US"/>
               <a:t>第 </a:t>
             </a:r>
             <a:r>
-              <a:rPr lang="en-US" altLang="ja-JP" smtClean="0"/>
+              <a:rPr lang="en-US" altLang="ja-JP"/>
               <a:t>3 </a:t>
             </a:r>
             <a:r>
-              <a:rPr lang="ja-JP" altLang="en-US" smtClean="0"/>
+              <a:rPr lang="ja-JP" altLang="en-US"/>
               <a:t>レベル</a:t>
             </a:r>
           </a:p>
           <a:p>
             <a:pPr lvl="3"/>
             <a:r>
-              <a:rPr lang="ja-JP" altLang="en-US" smtClean="0"/>
+              <a:rPr lang="ja-JP" altLang="en-US"/>
               <a:t>第 </a:t>
             </a:r>
             <a:r>
-              <a:rPr lang="en-US" altLang="ja-JP" smtClean="0"/>
+              <a:rPr lang="en-US" altLang="ja-JP"/>
               <a:t>4 </a:t>
             </a:r>
             <a:r>
-              <a:rPr lang="ja-JP" altLang="en-US" smtClean="0"/>
+              <a:rPr lang="ja-JP" altLang="en-US"/>
               <a:t>レベル</a:t>
             </a:r>
           </a:p>
           <a:p>
             <a:pPr lvl="4"/>
             <a:r>
-              <a:rPr lang="ja-JP" altLang="en-US" smtClean="0"/>
+              <a:rPr lang="ja-JP" altLang="en-US"/>
               <a:t>第 </a:t>
             </a:r>
             <a:r>
-              <a:rPr lang="en-US" altLang="ja-JP" smtClean="0"/>
+              <a:rPr lang="en-US" altLang="ja-JP"/>
               <a:t>5 </a:t>
             </a:r>
             <a:r>
-              <a:rPr lang="ja-JP" altLang="en-US" smtClean="0"/>
+              <a:rPr lang="ja-JP" altLang="en-US"/>
               <a:t>レベル</a:t>
             </a:r>
             <a:endParaRPr lang="en-US" dirty="0"/>
@@ -2261,7 +2264,7 @@
             <a:fld id="{C6C52C72-DE31-F449-A4ED-4C594FD91407}" type="datetimeFigureOut">
               <a:rPr lang="en-US" dirty="0"/>
               <a:pPr/>
-              <a:t>9/30/16</a:t>
+              <a:t>9/30/2016</a:t>
             </a:fld>
             <a:endParaRPr lang="en-US" dirty="0"/>
           </a:p>
@@ -2414,7 +2417,7 @@
           <a:ln/>
           <a:extLst>
             <a:ext uri="{91240B29-F687-4f45-9708-019B960494DF}">
-              <a14:hiddenLine xmlns:a14="http://schemas.microsoft.com/office/drawing/2010/main" xmlns="" w="9525">
+              <a14:hiddenLine xmlns="" xmlns:a14="http://schemas.microsoft.com/office/drawing/2010/main" w="9525">
                 <a:solidFill>
                   <a:srgbClr val="000000"/>
                 </a:solidFill>
@@ -2461,7 +2464,7 @@
           <a:lstStyle/>
           <a:p>
             <a:r>
-              <a:rPr lang="ja-JP" altLang="en-US" smtClean="0"/>
+              <a:rPr lang="ja-JP" altLang="en-US"/>
               <a:t>マスター タイトルの書式設定</a:t>
             </a:r>
             <a:endParaRPr lang="en-US" dirty="0"/>
@@ -2490,67 +2493,67 @@
           <a:p>
             <a:pPr lvl="0"/>
             <a:r>
-              <a:rPr lang="ja-JP" altLang="en-US" smtClean="0"/>
+              <a:rPr lang="ja-JP" altLang="en-US"/>
               <a:t>マスター テキストの書式設定</a:t>
             </a:r>
           </a:p>
           <a:p>
             <a:pPr lvl="1"/>
             <a:r>
-              <a:rPr lang="ja-JP" altLang="en-US" smtClean="0"/>
+              <a:rPr lang="ja-JP" altLang="en-US"/>
               <a:t>第 </a:t>
             </a:r>
             <a:r>
-              <a:rPr lang="en-US" altLang="ja-JP" smtClean="0"/>
+              <a:rPr lang="en-US" altLang="ja-JP"/>
               <a:t>2 </a:t>
             </a:r>
             <a:r>
-              <a:rPr lang="ja-JP" altLang="en-US" smtClean="0"/>
+              <a:rPr lang="ja-JP" altLang="en-US"/>
               <a:t>レベル</a:t>
             </a:r>
           </a:p>
           <a:p>
             <a:pPr lvl="2"/>
             <a:r>
-              <a:rPr lang="ja-JP" altLang="en-US" smtClean="0"/>
+              <a:rPr lang="ja-JP" altLang="en-US"/>
               <a:t>第 </a:t>
             </a:r>
             <a:r>
-              <a:rPr lang="en-US" altLang="ja-JP" smtClean="0"/>
+              <a:rPr lang="en-US" altLang="ja-JP"/>
               <a:t>3 </a:t>
             </a:r>
             <a:r>
-              <a:rPr lang="ja-JP" altLang="en-US" smtClean="0"/>
+              <a:rPr lang="ja-JP" altLang="en-US"/>
               <a:t>レベル</a:t>
             </a:r>
           </a:p>
           <a:p>
             <a:pPr lvl="3"/>
             <a:r>
-              <a:rPr lang="ja-JP" altLang="en-US" smtClean="0"/>
+              <a:rPr lang="ja-JP" altLang="en-US"/>
               <a:t>第 </a:t>
             </a:r>
             <a:r>
-              <a:rPr lang="en-US" altLang="ja-JP" smtClean="0"/>
+              <a:rPr lang="en-US" altLang="ja-JP"/>
               <a:t>4 </a:t>
             </a:r>
             <a:r>
-              <a:rPr lang="ja-JP" altLang="en-US" smtClean="0"/>
+              <a:rPr lang="ja-JP" altLang="en-US"/>
               <a:t>レベル</a:t>
             </a:r>
           </a:p>
           <a:p>
             <a:pPr lvl="4"/>
             <a:r>
-              <a:rPr lang="ja-JP" altLang="en-US" smtClean="0"/>
+              <a:rPr lang="ja-JP" altLang="en-US"/>
               <a:t>第 </a:t>
             </a:r>
             <a:r>
-              <a:rPr lang="en-US" altLang="ja-JP" smtClean="0"/>
+              <a:rPr lang="en-US" altLang="ja-JP"/>
               <a:t>5 </a:t>
             </a:r>
             <a:r>
-              <a:rPr lang="ja-JP" altLang="en-US" smtClean="0"/>
+              <a:rPr lang="ja-JP" altLang="en-US"/>
               <a:t>レベル</a:t>
             </a:r>
             <a:endParaRPr lang="en-US" dirty="0"/>
@@ -2575,7 +2578,7 @@
             <a:fld id="{ED62726E-379B-B349-9EED-81ED093FA806}" type="datetimeFigureOut">
               <a:rPr lang="en-US" dirty="0"/>
               <a:pPr/>
-              <a:t>9/30/16</a:t>
+              <a:t>9/30/2016</a:t>
             </a:fld>
             <a:endParaRPr lang="en-US" dirty="0"/>
           </a:p>
@@ -2726,7 +2729,7 @@
           <a:ln/>
           <a:extLst>
             <a:ext uri="{91240B29-F687-4f45-9708-019B960494DF}">
-              <a14:hiddenLine xmlns:a14="http://schemas.microsoft.com/office/drawing/2010/main" xmlns="" w="9525">
+              <a14:hiddenLine xmlns="" xmlns:a14="http://schemas.microsoft.com/office/drawing/2010/main" w="9525">
                 <a:solidFill>
                   <a:srgbClr val="000000"/>
                 </a:solidFill>
@@ -2773,7 +2776,7 @@
           <a:lstStyle/>
           <a:p>
             <a:r>
-              <a:rPr lang="ja-JP" altLang="en-US" smtClean="0"/>
+              <a:rPr lang="ja-JP" altLang="en-US"/>
               <a:t>マスター タイトルの書式設定</a:t>
             </a:r>
             <a:endParaRPr lang="en-US" dirty="0"/>
@@ -2802,67 +2805,67 @@
           <a:p>
             <a:pPr lvl="0"/>
             <a:r>
-              <a:rPr lang="ja-JP" altLang="en-US" smtClean="0"/>
+              <a:rPr lang="ja-JP" altLang="en-US"/>
               <a:t>マスター テキストの書式設定</a:t>
             </a:r>
           </a:p>
           <a:p>
             <a:pPr lvl="1"/>
             <a:r>
-              <a:rPr lang="ja-JP" altLang="en-US" smtClean="0"/>
+              <a:rPr lang="ja-JP" altLang="en-US"/>
               <a:t>第 </a:t>
             </a:r>
             <a:r>
-              <a:rPr lang="en-US" altLang="ja-JP" smtClean="0"/>
+              <a:rPr lang="en-US" altLang="ja-JP"/>
               <a:t>2 </a:t>
             </a:r>
             <a:r>
-              <a:rPr lang="ja-JP" altLang="en-US" smtClean="0"/>
+              <a:rPr lang="ja-JP" altLang="en-US"/>
               <a:t>レベル</a:t>
             </a:r>
           </a:p>
           <a:p>
             <a:pPr lvl="2"/>
             <a:r>
-              <a:rPr lang="ja-JP" altLang="en-US" smtClean="0"/>
+              <a:rPr lang="ja-JP" altLang="en-US"/>
               <a:t>第 </a:t>
             </a:r>
             <a:r>
-              <a:rPr lang="en-US" altLang="ja-JP" smtClean="0"/>
+              <a:rPr lang="en-US" altLang="ja-JP"/>
               <a:t>3 </a:t>
             </a:r>
             <a:r>
-              <a:rPr lang="ja-JP" altLang="en-US" smtClean="0"/>
+              <a:rPr lang="ja-JP" altLang="en-US"/>
               <a:t>レベル</a:t>
             </a:r>
           </a:p>
           <a:p>
             <a:pPr lvl="3"/>
             <a:r>
-              <a:rPr lang="ja-JP" altLang="en-US" smtClean="0"/>
+              <a:rPr lang="ja-JP" altLang="en-US"/>
               <a:t>第 </a:t>
             </a:r>
             <a:r>
-              <a:rPr lang="en-US" altLang="ja-JP" smtClean="0"/>
+              <a:rPr lang="en-US" altLang="ja-JP"/>
               <a:t>4 </a:t>
             </a:r>
             <a:r>
-              <a:rPr lang="ja-JP" altLang="en-US" smtClean="0"/>
+              <a:rPr lang="ja-JP" altLang="en-US"/>
               <a:t>レベル</a:t>
             </a:r>
           </a:p>
           <a:p>
             <a:pPr lvl="4"/>
             <a:r>
-              <a:rPr lang="ja-JP" altLang="en-US" smtClean="0"/>
+              <a:rPr lang="ja-JP" altLang="en-US"/>
               <a:t>第 </a:t>
             </a:r>
             <a:r>
-              <a:rPr lang="en-US" altLang="ja-JP" smtClean="0"/>
+              <a:rPr lang="en-US" altLang="ja-JP"/>
               <a:t>5 </a:t>
             </a:r>
             <a:r>
-              <a:rPr lang="ja-JP" altLang="en-US" smtClean="0"/>
+              <a:rPr lang="ja-JP" altLang="en-US"/>
               <a:t>レベル</a:t>
             </a:r>
             <a:endParaRPr lang="en-US" dirty="0"/>
@@ -2887,7 +2890,7 @@
             <a:fld id="{9B3A1323-8D79-1946-B0D7-40001CF92E9D}" type="datetimeFigureOut">
               <a:rPr lang="en-US" dirty="0"/>
               <a:pPr/>
-              <a:t>9/30/16</a:t>
+              <a:t>9/30/2016</a:t>
             </a:fld>
             <a:endParaRPr lang="en-US" dirty="0"/>
           </a:p>
@@ -3083,7 +3086,7 @@
           </a:lstStyle>
           <a:p>
             <a:r>
-              <a:rPr lang="ja-JP" altLang="en-US" smtClean="0"/>
+              <a:rPr lang="ja-JP" altLang="en-US"/>
               <a:t>マスター タイトルの書式設定</a:t>
             </a:r>
             <a:endParaRPr lang="en-US" dirty="0"/>
@@ -3203,7 +3206,7 @@
           <a:p>
             <a:pPr lvl="0"/>
             <a:r>
-              <a:rPr lang="ja-JP" altLang="en-US" smtClean="0"/>
+              <a:rPr lang="ja-JP" altLang="en-US"/>
               <a:t>マスター テキストの書式設定</a:t>
             </a:r>
           </a:p>
@@ -3227,7 +3230,7 @@
             <a:fld id="{8DFA1846-DA80-1C48-A609-854EA85C59AD}" type="datetimeFigureOut">
               <a:rPr lang="en-US" dirty="0"/>
               <a:pPr/>
-              <a:t>9/30/16</a:t>
+              <a:t>9/30/2016</a:t>
             </a:fld>
             <a:endParaRPr lang="en-US" dirty="0"/>
           </a:p>
@@ -3378,7 +3381,7 @@
           <a:ln/>
           <a:extLst>
             <a:ext uri="{91240B29-F687-4f45-9708-019B960494DF}">
-              <a14:hiddenLine xmlns:a14="http://schemas.microsoft.com/office/drawing/2010/main" xmlns="" w="9525">
+              <a14:hiddenLine xmlns="" xmlns:a14="http://schemas.microsoft.com/office/drawing/2010/main" w="9525">
                 <a:solidFill>
                   <a:srgbClr val="000000"/>
                 </a:solidFill>
@@ -3420,7 +3423,7 @@
           <a:lstStyle/>
           <a:p>
             <a:r>
-              <a:rPr lang="ja-JP" altLang="en-US" smtClean="0"/>
+              <a:rPr lang="ja-JP" altLang="en-US"/>
               <a:t>マスター タイトルの書式設定</a:t>
             </a:r>
             <a:endParaRPr lang="en-US" dirty="0"/>
@@ -3451,67 +3454,67 @@
           <a:p>
             <a:pPr lvl="0"/>
             <a:r>
-              <a:rPr lang="ja-JP" altLang="en-US" smtClean="0"/>
+              <a:rPr lang="ja-JP" altLang="en-US"/>
               <a:t>マスター テキストの書式設定</a:t>
             </a:r>
           </a:p>
           <a:p>
             <a:pPr lvl="1"/>
             <a:r>
-              <a:rPr lang="ja-JP" altLang="en-US" smtClean="0"/>
+              <a:rPr lang="ja-JP" altLang="en-US"/>
               <a:t>第 </a:t>
             </a:r>
             <a:r>
-              <a:rPr lang="en-US" altLang="ja-JP" smtClean="0"/>
+              <a:rPr lang="en-US" altLang="ja-JP"/>
               <a:t>2 </a:t>
             </a:r>
             <a:r>
-              <a:rPr lang="ja-JP" altLang="en-US" smtClean="0"/>
+              <a:rPr lang="ja-JP" altLang="en-US"/>
               <a:t>レベル</a:t>
             </a:r>
           </a:p>
           <a:p>
             <a:pPr lvl="2"/>
             <a:r>
-              <a:rPr lang="ja-JP" altLang="en-US" smtClean="0"/>
+              <a:rPr lang="ja-JP" altLang="en-US"/>
               <a:t>第 </a:t>
             </a:r>
             <a:r>
-              <a:rPr lang="en-US" altLang="ja-JP" smtClean="0"/>
+              <a:rPr lang="en-US" altLang="ja-JP"/>
               <a:t>3 </a:t>
             </a:r>
             <a:r>
-              <a:rPr lang="ja-JP" altLang="en-US" smtClean="0"/>
+              <a:rPr lang="ja-JP" altLang="en-US"/>
               <a:t>レベル</a:t>
             </a:r>
           </a:p>
           <a:p>
             <a:pPr lvl="3"/>
             <a:r>
-              <a:rPr lang="ja-JP" altLang="en-US" smtClean="0"/>
+              <a:rPr lang="ja-JP" altLang="en-US"/>
               <a:t>第 </a:t>
             </a:r>
             <a:r>
-              <a:rPr lang="en-US" altLang="ja-JP" smtClean="0"/>
+              <a:rPr lang="en-US" altLang="ja-JP"/>
               <a:t>4 </a:t>
             </a:r>
             <a:r>
-              <a:rPr lang="ja-JP" altLang="en-US" smtClean="0"/>
+              <a:rPr lang="ja-JP" altLang="en-US"/>
               <a:t>レベル</a:t>
             </a:r>
           </a:p>
           <a:p>
             <a:pPr lvl="4"/>
             <a:r>
-              <a:rPr lang="ja-JP" altLang="en-US" smtClean="0"/>
+              <a:rPr lang="ja-JP" altLang="en-US"/>
               <a:t>第 </a:t>
             </a:r>
             <a:r>
-              <a:rPr lang="en-US" altLang="ja-JP" smtClean="0"/>
+              <a:rPr lang="en-US" altLang="ja-JP"/>
               <a:t>5 </a:t>
             </a:r>
             <a:r>
-              <a:rPr lang="ja-JP" altLang="en-US" smtClean="0"/>
+              <a:rPr lang="ja-JP" altLang="en-US"/>
               <a:t>レベル</a:t>
             </a:r>
             <a:endParaRPr lang="en-US" dirty="0"/>
@@ -3542,67 +3545,67 @@
           <a:p>
             <a:pPr lvl="0"/>
             <a:r>
-              <a:rPr lang="ja-JP" altLang="en-US" smtClean="0"/>
+              <a:rPr lang="ja-JP" altLang="en-US"/>
               <a:t>マスター テキストの書式設定</a:t>
             </a:r>
           </a:p>
           <a:p>
             <a:pPr lvl="1"/>
             <a:r>
-              <a:rPr lang="ja-JP" altLang="en-US" smtClean="0"/>
+              <a:rPr lang="ja-JP" altLang="en-US"/>
               <a:t>第 </a:t>
             </a:r>
             <a:r>
-              <a:rPr lang="en-US" altLang="ja-JP" smtClean="0"/>
+              <a:rPr lang="en-US" altLang="ja-JP"/>
               <a:t>2 </a:t>
             </a:r>
             <a:r>
-              <a:rPr lang="ja-JP" altLang="en-US" smtClean="0"/>
+              <a:rPr lang="ja-JP" altLang="en-US"/>
               <a:t>レベル</a:t>
             </a:r>
           </a:p>
           <a:p>
             <a:pPr lvl="2"/>
             <a:r>
-              <a:rPr lang="ja-JP" altLang="en-US" smtClean="0"/>
+              <a:rPr lang="ja-JP" altLang="en-US"/>
               <a:t>第 </a:t>
             </a:r>
             <a:r>
-              <a:rPr lang="en-US" altLang="ja-JP" smtClean="0"/>
+              <a:rPr lang="en-US" altLang="ja-JP"/>
               <a:t>3 </a:t>
             </a:r>
             <a:r>
-              <a:rPr lang="ja-JP" altLang="en-US" smtClean="0"/>
+              <a:rPr lang="ja-JP" altLang="en-US"/>
               <a:t>レベル</a:t>
             </a:r>
           </a:p>
           <a:p>
             <a:pPr lvl="3"/>
             <a:r>
-              <a:rPr lang="ja-JP" altLang="en-US" smtClean="0"/>
+              <a:rPr lang="ja-JP" altLang="en-US"/>
               <a:t>第 </a:t>
             </a:r>
             <a:r>
-              <a:rPr lang="en-US" altLang="ja-JP" smtClean="0"/>
+              <a:rPr lang="en-US" altLang="ja-JP"/>
               <a:t>4 </a:t>
             </a:r>
             <a:r>
-              <a:rPr lang="ja-JP" altLang="en-US" smtClean="0"/>
+              <a:rPr lang="ja-JP" altLang="en-US"/>
               <a:t>レベル</a:t>
             </a:r>
           </a:p>
           <a:p>
             <a:pPr lvl="4"/>
             <a:r>
-              <a:rPr lang="ja-JP" altLang="en-US" smtClean="0"/>
+              <a:rPr lang="ja-JP" altLang="en-US"/>
               <a:t>第 </a:t>
             </a:r>
             <a:r>
-              <a:rPr lang="en-US" altLang="ja-JP" smtClean="0"/>
+              <a:rPr lang="en-US" altLang="ja-JP"/>
               <a:t>5 </a:t>
             </a:r>
             <a:r>
-              <a:rPr lang="ja-JP" altLang="en-US" smtClean="0"/>
+              <a:rPr lang="ja-JP" altLang="en-US"/>
               <a:t>レベル</a:t>
             </a:r>
             <a:endParaRPr lang="en-US" dirty="0"/>
@@ -3627,7 +3630,7 @@
             <a:fld id="{57302355-E14B-8545-A8F8-0FE83CC9D524}" type="datetimeFigureOut">
               <a:rPr lang="en-US" dirty="0"/>
               <a:pPr/>
-              <a:t>9/30/16</a:t>
+              <a:t>9/30/2016</a:t>
             </a:fld>
             <a:endParaRPr lang="en-US" dirty="0"/>
           </a:p>
@@ -3778,7 +3781,7 @@
           <a:ln/>
           <a:extLst>
             <a:ext uri="{91240B29-F687-4f45-9708-019B960494DF}">
-              <a14:hiddenLine xmlns:a14="http://schemas.microsoft.com/office/drawing/2010/main" xmlns="" w="9525">
+              <a14:hiddenLine xmlns="" xmlns:a14="http://schemas.microsoft.com/office/drawing/2010/main" w="9525">
                 <a:solidFill>
                   <a:srgbClr val="000000"/>
                 </a:solidFill>
@@ -3824,7 +3827,7 @@
           </a:lstStyle>
           <a:p>
             <a:r>
-              <a:rPr lang="ja-JP" altLang="en-US" smtClean="0"/>
+              <a:rPr lang="ja-JP" altLang="en-US"/>
               <a:t>マスター タイトルの書式設定</a:t>
             </a:r>
             <a:endParaRPr lang="en-US" dirty="0"/>
@@ -3892,7 +3895,7 @@
           <a:p>
             <a:pPr lvl="0"/>
             <a:r>
-              <a:rPr lang="ja-JP" altLang="en-US" smtClean="0"/>
+              <a:rPr lang="ja-JP" altLang="en-US"/>
               <a:t>マスター テキストの書式設定</a:t>
             </a:r>
           </a:p>
@@ -3922,67 +3925,67 @@
           <a:p>
             <a:pPr lvl="0"/>
             <a:r>
-              <a:rPr lang="ja-JP" altLang="en-US" smtClean="0"/>
+              <a:rPr lang="ja-JP" altLang="en-US"/>
               <a:t>マスター テキストの書式設定</a:t>
             </a:r>
           </a:p>
           <a:p>
             <a:pPr lvl="1"/>
             <a:r>
-              <a:rPr lang="ja-JP" altLang="en-US" smtClean="0"/>
+              <a:rPr lang="ja-JP" altLang="en-US"/>
               <a:t>第 </a:t>
             </a:r>
             <a:r>
-              <a:rPr lang="en-US" altLang="ja-JP" smtClean="0"/>
+              <a:rPr lang="en-US" altLang="ja-JP"/>
               <a:t>2 </a:t>
             </a:r>
             <a:r>
-              <a:rPr lang="ja-JP" altLang="en-US" smtClean="0"/>
+              <a:rPr lang="ja-JP" altLang="en-US"/>
               <a:t>レベル</a:t>
             </a:r>
           </a:p>
           <a:p>
             <a:pPr lvl="2"/>
             <a:r>
-              <a:rPr lang="ja-JP" altLang="en-US" smtClean="0"/>
+              <a:rPr lang="ja-JP" altLang="en-US"/>
               <a:t>第 </a:t>
             </a:r>
             <a:r>
-              <a:rPr lang="en-US" altLang="ja-JP" smtClean="0"/>
+              <a:rPr lang="en-US" altLang="ja-JP"/>
               <a:t>3 </a:t>
             </a:r>
             <a:r>
-              <a:rPr lang="ja-JP" altLang="en-US" smtClean="0"/>
+              <a:rPr lang="ja-JP" altLang="en-US"/>
               <a:t>レベル</a:t>
             </a:r>
           </a:p>
           <a:p>
             <a:pPr lvl="3"/>
             <a:r>
-              <a:rPr lang="ja-JP" altLang="en-US" smtClean="0"/>
+              <a:rPr lang="ja-JP" altLang="en-US"/>
               <a:t>第 </a:t>
             </a:r>
             <a:r>
-              <a:rPr lang="en-US" altLang="ja-JP" smtClean="0"/>
+              <a:rPr lang="en-US" altLang="ja-JP"/>
               <a:t>4 </a:t>
             </a:r>
             <a:r>
-              <a:rPr lang="ja-JP" altLang="en-US" smtClean="0"/>
+              <a:rPr lang="ja-JP" altLang="en-US"/>
               <a:t>レベル</a:t>
             </a:r>
           </a:p>
           <a:p>
             <a:pPr lvl="4"/>
             <a:r>
-              <a:rPr lang="ja-JP" altLang="en-US" smtClean="0"/>
+              <a:rPr lang="ja-JP" altLang="en-US"/>
               <a:t>第 </a:t>
             </a:r>
             <a:r>
-              <a:rPr lang="en-US" altLang="ja-JP" smtClean="0"/>
+              <a:rPr lang="en-US" altLang="ja-JP"/>
               <a:t>5 </a:t>
             </a:r>
             <a:r>
-              <a:rPr lang="ja-JP" altLang="en-US" smtClean="0"/>
+              <a:rPr lang="ja-JP" altLang="en-US"/>
               <a:t>レベル</a:t>
             </a:r>
             <a:endParaRPr lang="en-US" dirty="0"/>
@@ -4050,7 +4053,7 @@
           <a:p>
             <a:pPr lvl="0"/>
             <a:r>
-              <a:rPr lang="ja-JP" altLang="en-US" smtClean="0"/>
+              <a:rPr lang="ja-JP" altLang="en-US"/>
               <a:t>マスター テキストの書式設定</a:t>
             </a:r>
           </a:p>
@@ -4080,67 +4083,67 @@
           <a:p>
             <a:pPr lvl="0"/>
             <a:r>
-              <a:rPr lang="ja-JP" altLang="en-US" smtClean="0"/>
+              <a:rPr lang="ja-JP" altLang="en-US"/>
               <a:t>マスター テキストの書式設定</a:t>
             </a:r>
           </a:p>
           <a:p>
             <a:pPr lvl="1"/>
             <a:r>
-              <a:rPr lang="ja-JP" altLang="en-US" smtClean="0"/>
+              <a:rPr lang="ja-JP" altLang="en-US"/>
               <a:t>第 </a:t>
             </a:r>
             <a:r>
-              <a:rPr lang="en-US" altLang="ja-JP" smtClean="0"/>
+              <a:rPr lang="en-US" altLang="ja-JP"/>
               <a:t>2 </a:t>
             </a:r>
             <a:r>
-              <a:rPr lang="ja-JP" altLang="en-US" smtClean="0"/>
+              <a:rPr lang="ja-JP" altLang="en-US"/>
               <a:t>レベル</a:t>
             </a:r>
           </a:p>
           <a:p>
             <a:pPr lvl="2"/>
             <a:r>
-              <a:rPr lang="ja-JP" altLang="en-US" smtClean="0"/>
+              <a:rPr lang="ja-JP" altLang="en-US"/>
               <a:t>第 </a:t>
             </a:r>
             <a:r>
-              <a:rPr lang="en-US" altLang="ja-JP" smtClean="0"/>
+              <a:rPr lang="en-US" altLang="ja-JP"/>
               <a:t>3 </a:t>
             </a:r>
             <a:r>
-              <a:rPr lang="ja-JP" altLang="en-US" smtClean="0"/>
+              <a:rPr lang="ja-JP" altLang="en-US"/>
               <a:t>レベル</a:t>
             </a:r>
           </a:p>
           <a:p>
             <a:pPr lvl="3"/>
             <a:r>
-              <a:rPr lang="ja-JP" altLang="en-US" smtClean="0"/>
+              <a:rPr lang="ja-JP" altLang="en-US"/>
               <a:t>第 </a:t>
             </a:r>
             <a:r>
-              <a:rPr lang="en-US" altLang="ja-JP" smtClean="0"/>
+              <a:rPr lang="en-US" altLang="ja-JP"/>
               <a:t>4 </a:t>
             </a:r>
             <a:r>
-              <a:rPr lang="ja-JP" altLang="en-US" smtClean="0"/>
+              <a:rPr lang="ja-JP" altLang="en-US"/>
               <a:t>レベル</a:t>
             </a:r>
           </a:p>
           <a:p>
             <a:pPr lvl="4"/>
             <a:r>
-              <a:rPr lang="ja-JP" altLang="en-US" smtClean="0"/>
+              <a:rPr lang="ja-JP" altLang="en-US"/>
               <a:t>第 </a:t>
             </a:r>
             <a:r>
-              <a:rPr lang="en-US" altLang="ja-JP" smtClean="0"/>
+              <a:rPr lang="en-US" altLang="ja-JP"/>
               <a:t>5 </a:t>
             </a:r>
             <a:r>
-              <a:rPr lang="ja-JP" altLang="en-US" smtClean="0"/>
+              <a:rPr lang="ja-JP" altLang="en-US"/>
               <a:t>レベル</a:t>
             </a:r>
             <a:endParaRPr lang="en-US" dirty="0"/>
@@ -4165,7 +4168,7 @@
             <a:fld id="{02640F58-564D-2B4F-AE67-E407BA4FCF45}" type="datetimeFigureOut">
               <a:rPr lang="en-US" dirty="0"/>
               <a:pPr/>
-              <a:t>9/30/16</a:t>
+              <a:t>9/30/2016</a:t>
             </a:fld>
             <a:endParaRPr lang="en-US" dirty="0"/>
           </a:p>
@@ -4316,7 +4319,7 @@
           <a:ln/>
           <a:extLst>
             <a:ext uri="{91240B29-F687-4f45-9708-019B960494DF}">
-              <a14:hiddenLine xmlns:a14="http://schemas.microsoft.com/office/drawing/2010/main" xmlns="" w="9525">
+              <a14:hiddenLine xmlns="" xmlns:a14="http://schemas.microsoft.com/office/drawing/2010/main" w="9525">
                 <a:solidFill>
                   <a:srgbClr val="000000"/>
                 </a:solidFill>
@@ -4358,7 +4361,7 @@
           <a:lstStyle/>
           <a:p>
             <a:r>
-              <a:rPr lang="ja-JP" altLang="en-US" smtClean="0"/>
+              <a:rPr lang="ja-JP" altLang="en-US"/>
               <a:t>マスター タイトルの書式設定</a:t>
             </a:r>
             <a:endParaRPr lang="en-US" dirty="0"/>
@@ -4383,7 +4386,7 @@
             <a:fld id="{F13A34C8-038E-2045-AF43-DF7DBB8E0E9E}" type="datetimeFigureOut">
               <a:rPr lang="en-US" dirty="0"/>
               <a:pPr/>
-              <a:t>9/30/16</a:t>
+              <a:t>9/30/2016</a:t>
             </a:fld>
             <a:endParaRPr lang="en-US" dirty="0"/>
           </a:p>
@@ -4475,7 +4478,7 @@
             <a:fld id="{8818C68F-D26B-8F47-958C-23B49CF8A634}" type="datetimeFigureOut">
               <a:rPr lang="en-US" dirty="0"/>
               <a:pPr/>
-              <a:t>9/30/16</a:t>
+              <a:t>9/30/2016</a:t>
             </a:fld>
             <a:endParaRPr lang="en-US" dirty="0"/>
           </a:p>
@@ -4739,7 +4742,7 @@
           <a:ln/>
           <a:extLst>
             <a:ext uri="{91240B29-F687-4f45-9708-019B960494DF}">
-              <a14:hiddenLine xmlns:a14="http://schemas.microsoft.com/office/drawing/2010/main" xmlns="" w="9525">
+              <a14:hiddenLine xmlns="" xmlns:a14="http://schemas.microsoft.com/office/drawing/2010/main" w="9525">
                 <a:solidFill>
                   <a:srgbClr val="000000"/>
                 </a:solidFill>
@@ -4790,7 +4793,7 @@
           </a:lstStyle>
           <a:p>
             <a:r>
-              <a:rPr lang="ja-JP" altLang="en-US" smtClean="0"/>
+              <a:rPr lang="ja-JP" altLang="en-US"/>
               <a:t>マスター タイトルの書式設定</a:t>
             </a:r>
             <a:endParaRPr lang="en-US" dirty="0"/>
@@ -4821,67 +4824,67 @@
           <a:p>
             <a:pPr lvl="0"/>
             <a:r>
-              <a:rPr lang="ja-JP" altLang="en-US" smtClean="0"/>
+              <a:rPr lang="ja-JP" altLang="en-US"/>
               <a:t>マスター テキストの書式設定</a:t>
             </a:r>
           </a:p>
           <a:p>
             <a:pPr lvl="1"/>
             <a:r>
-              <a:rPr lang="ja-JP" altLang="en-US" smtClean="0"/>
+              <a:rPr lang="ja-JP" altLang="en-US"/>
               <a:t>第 </a:t>
             </a:r>
             <a:r>
-              <a:rPr lang="en-US" altLang="ja-JP" smtClean="0"/>
+              <a:rPr lang="en-US" altLang="ja-JP"/>
               <a:t>2 </a:t>
             </a:r>
             <a:r>
-              <a:rPr lang="ja-JP" altLang="en-US" smtClean="0"/>
+              <a:rPr lang="ja-JP" altLang="en-US"/>
               <a:t>レベル</a:t>
             </a:r>
           </a:p>
           <a:p>
             <a:pPr lvl="2"/>
             <a:r>
-              <a:rPr lang="ja-JP" altLang="en-US" smtClean="0"/>
+              <a:rPr lang="ja-JP" altLang="en-US"/>
               <a:t>第 </a:t>
             </a:r>
             <a:r>
-              <a:rPr lang="en-US" altLang="ja-JP" smtClean="0"/>
+              <a:rPr lang="en-US" altLang="ja-JP"/>
               <a:t>3 </a:t>
             </a:r>
             <a:r>
-              <a:rPr lang="ja-JP" altLang="en-US" smtClean="0"/>
+              <a:rPr lang="ja-JP" altLang="en-US"/>
               <a:t>レベル</a:t>
             </a:r>
           </a:p>
           <a:p>
             <a:pPr lvl="3"/>
             <a:r>
-              <a:rPr lang="ja-JP" altLang="en-US" smtClean="0"/>
+              <a:rPr lang="ja-JP" altLang="en-US"/>
               <a:t>第 </a:t>
             </a:r>
             <a:r>
-              <a:rPr lang="en-US" altLang="ja-JP" smtClean="0"/>
+              <a:rPr lang="en-US" altLang="ja-JP"/>
               <a:t>4 </a:t>
             </a:r>
             <a:r>
-              <a:rPr lang="ja-JP" altLang="en-US" smtClean="0"/>
+              <a:rPr lang="ja-JP" altLang="en-US"/>
               <a:t>レベル</a:t>
             </a:r>
           </a:p>
           <a:p>
             <a:pPr lvl="4"/>
             <a:r>
-              <a:rPr lang="ja-JP" altLang="en-US" smtClean="0"/>
+              <a:rPr lang="ja-JP" altLang="en-US"/>
               <a:t>第 </a:t>
             </a:r>
             <a:r>
-              <a:rPr lang="en-US" altLang="ja-JP" smtClean="0"/>
+              <a:rPr lang="en-US" altLang="ja-JP"/>
               <a:t>5 </a:t>
             </a:r>
             <a:r>
-              <a:rPr lang="ja-JP" altLang="en-US" smtClean="0"/>
+              <a:rPr lang="ja-JP" altLang="en-US"/>
               <a:t>レベル</a:t>
             </a:r>
             <a:endParaRPr lang="en-US" dirty="0"/>
@@ -4947,7 +4950,7 @@
           <a:p>
             <a:pPr lvl="0"/>
             <a:r>
-              <a:rPr lang="ja-JP" altLang="en-US" smtClean="0"/>
+              <a:rPr lang="ja-JP" altLang="en-US"/>
               <a:t>マスター テキストの書式設定</a:t>
             </a:r>
           </a:p>
@@ -4971,7 +4974,7 @@
             <a:fld id="{D0DF5E60-9974-AC48-9591-99C2BB44B7CF}" type="datetimeFigureOut">
               <a:rPr lang="en-US" dirty="0"/>
               <a:pPr/>
-              <a:t>9/30/16</a:t>
+              <a:t>9/30/2016</a:t>
             </a:fld>
             <a:endParaRPr lang="en-US" dirty="0"/>
           </a:p>
@@ -5072,7 +5075,7 @@
           </a:lstStyle>
           <a:p>
             <a:r>
-              <a:rPr lang="ja-JP" altLang="en-US" smtClean="0"/>
+              <a:rPr lang="ja-JP" altLang="en-US"/>
               <a:t>マスター タイトルの書式設定</a:t>
             </a:r>
             <a:endParaRPr lang="en-US" dirty="0"/>
@@ -5184,7 +5187,7 @@
           </a:lstStyle>
           <a:p>
             <a:r>
-              <a:rPr lang="ja-JP" altLang="en-US" smtClean="0"/>
+              <a:rPr lang="ja-JP" altLang="en-US"/>
               <a:t>プレースホルダーまでドラッグするかアイコンをクリックして図を追加</a:t>
             </a:r>
             <a:endParaRPr lang="en-US" dirty="0"/>
@@ -5252,7 +5255,7 @@
           <a:p>
             <a:pPr lvl="0"/>
             <a:r>
-              <a:rPr lang="ja-JP" altLang="en-US" smtClean="0"/>
+              <a:rPr lang="ja-JP" altLang="en-US"/>
               <a:t>マスター テキストの書式設定</a:t>
             </a:r>
           </a:p>
@@ -5281,7 +5284,7 @@
             <a:fld id="{18C79C5D-2A6F-F04D-97DA-BEF2467B64E4}" type="datetimeFigureOut">
               <a:rPr lang="en-US" dirty="0"/>
               <a:pPr/>
-              <a:t>9/30/16</a:t>
+              <a:t>9/30/2016</a:t>
             </a:fld>
             <a:endParaRPr lang="en-US" dirty="0"/>
           </a:p>
@@ -5403,7 +5406,7 @@
           <a:lstStyle/>
           <a:p>
             <a:r>
-              <a:rPr lang="ja-JP" altLang="en-US" smtClean="0"/>
+              <a:rPr lang="ja-JP" altLang="en-US"/>
               <a:t>マスター タイトルの書式設定</a:t>
             </a:r>
             <a:endParaRPr lang="en-US" dirty="0"/>
@@ -5444,67 +5447,67 @@
           <a:p>
             <a:pPr lvl="0"/>
             <a:r>
-              <a:rPr lang="ja-JP" altLang="en-US" smtClean="0"/>
+              <a:rPr lang="ja-JP" altLang="en-US"/>
               <a:t>マスター テキストの書式設定</a:t>
             </a:r>
           </a:p>
           <a:p>
             <a:pPr lvl="1"/>
             <a:r>
-              <a:rPr lang="ja-JP" altLang="en-US" smtClean="0"/>
+              <a:rPr lang="ja-JP" altLang="en-US"/>
               <a:t>第 </a:t>
             </a:r>
             <a:r>
-              <a:rPr lang="en-US" altLang="ja-JP" smtClean="0"/>
+              <a:rPr lang="en-US" altLang="ja-JP"/>
               <a:t>2 </a:t>
             </a:r>
             <a:r>
-              <a:rPr lang="ja-JP" altLang="en-US" smtClean="0"/>
+              <a:rPr lang="ja-JP" altLang="en-US"/>
               <a:t>レベル</a:t>
             </a:r>
           </a:p>
           <a:p>
             <a:pPr lvl="2"/>
             <a:r>
-              <a:rPr lang="ja-JP" altLang="en-US" smtClean="0"/>
+              <a:rPr lang="ja-JP" altLang="en-US"/>
               <a:t>第 </a:t>
             </a:r>
             <a:r>
-              <a:rPr lang="en-US" altLang="ja-JP" smtClean="0"/>
+              <a:rPr lang="en-US" altLang="ja-JP"/>
               <a:t>3 </a:t>
             </a:r>
             <a:r>
-              <a:rPr lang="ja-JP" altLang="en-US" smtClean="0"/>
+              <a:rPr lang="ja-JP" altLang="en-US"/>
               <a:t>レベル</a:t>
             </a:r>
           </a:p>
           <a:p>
             <a:pPr lvl="3"/>
             <a:r>
-              <a:rPr lang="ja-JP" altLang="en-US" smtClean="0"/>
+              <a:rPr lang="ja-JP" altLang="en-US"/>
               <a:t>第 </a:t>
             </a:r>
             <a:r>
-              <a:rPr lang="en-US" altLang="ja-JP" smtClean="0"/>
+              <a:rPr lang="en-US" altLang="ja-JP"/>
               <a:t>4 </a:t>
             </a:r>
             <a:r>
-              <a:rPr lang="ja-JP" altLang="en-US" smtClean="0"/>
+              <a:rPr lang="ja-JP" altLang="en-US"/>
               <a:t>レベル</a:t>
             </a:r>
           </a:p>
           <a:p>
             <a:pPr lvl="4"/>
             <a:r>
-              <a:rPr lang="ja-JP" altLang="en-US" smtClean="0"/>
+              <a:rPr lang="ja-JP" altLang="en-US"/>
               <a:t>第 </a:t>
             </a:r>
             <a:r>
-              <a:rPr lang="en-US" altLang="ja-JP" smtClean="0"/>
+              <a:rPr lang="en-US" altLang="ja-JP"/>
               <a:t>5 </a:t>
             </a:r>
             <a:r>
-              <a:rPr lang="ja-JP" altLang="en-US" smtClean="0"/>
+              <a:rPr lang="ja-JP" altLang="en-US"/>
               <a:t>レベル</a:t>
             </a:r>
             <a:endParaRPr lang="en-US" dirty="0"/>
@@ -5580,7 +5583,7 @@
             <a:fld id="{09B482E8-6E0E-1B4F-B1FD-C69DB9E858D9}" type="datetimeFigureOut">
               <a:rPr lang="en-US" dirty="0"/>
               <a:pPr/>
-              <a:t>9/30/16</a:t>
+              <a:t>9/30/2016</a:t>
             </a:fld>
             <a:endParaRPr lang="en-US" dirty="0"/>
           </a:p>
@@ -6042,11 +6045,11 @@
           <a:lstStyle/>
           <a:p>
             <a:r>
-              <a:rPr kumimoji="1" lang="ja-JP" altLang="en-US" dirty="0" smtClean="0"/>
+              <a:rPr kumimoji="1" lang="ja-JP" altLang="en-US" dirty="0"/>
               <a:t>いい生活インターン</a:t>
             </a:r>
             <a:r>
-              <a:rPr kumimoji="1" lang="en-US" altLang="ja-JP" dirty="0" smtClean="0"/>
+              <a:rPr kumimoji="1" lang="en-US" altLang="ja-JP" dirty="0"/>
               <a:t> team-A</a:t>
             </a:r>
             <a:endParaRPr kumimoji="1" lang="ja-JP" altLang="en-US" dirty="0"/>
@@ -6069,22 +6072,21 @@
           <a:lstStyle/>
           <a:p>
             <a:r>
-              <a:rPr lang="ja-JP" altLang="en-US" dirty="0" smtClean="0"/>
+              <a:rPr lang="ja-JP" altLang="en-US" dirty="0"/>
               <a:t>佐古嵐、</a:t>
             </a:r>
             <a:r>
-              <a:rPr kumimoji="1" lang="ja-JP" altLang="en-US" dirty="0" smtClean="0"/>
+              <a:rPr kumimoji="1" lang="ja-JP" altLang="en-US" dirty="0"/>
               <a:t>関根裕人</a:t>
             </a:r>
             <a:r>
-              <a:rPr lang="ja-JP" altLang="en-US" dirty="0" smtClean="0"/>
+              <a:rPr lang="ja-JP" altLang="en-US" dirty="0"/>
               <a:t>、</a:t>
             </a:r>
             <a:r>
-              <a:rPr kumimoji="1" lang="ja-JP" altLang="en-US" dirty="0" smtClean="0"/>
+              <a:rPr kumimoji="1" lang="ja-JP" altLang="en-US" dirty="0"/>
               <a:t>深谷大樹</a:t>
             </a:r>
-            <a:endParaRPr kumimoji="1" lang="ja-JP" altLang="en-US" dirty="0"/>
           </a:p>
         </p:txBody>
       </p:sp>
@@ -6092,6 +6094,406 @@
     <p:extLst>
       <p:ext uri="{BB962C8B-B14F-4D97-AF65-F5344CB8AC3E}">
         <p14:creationId xmlns:p14="http://schemas.microsoft.com/office/powerpoint/2010/main" val="1348995806"/>
+      </p:ext>
+    </p:extLst>
+  </p:cSld>
+  <p:clrMapOvr>
+    <a:masterClrMapping/>
+  </p:clrMapOvr>
+</p:sld>
+</file>
+
+<file path=ppt/slides/slide10.xml><?xml version="1.0" encoding="utf-8"?>
+<p:sld xmlns:a="http://schemas.openxmlformats.org/drawingml/2006/main" xmlns:r="http://schemas.openxmlformats.org/officeDocument/2006/relationships" xmlns:p="http://schemas.openxmlformats.org/presentationml/2006/main">
+  <p:cSld>
+    <p:spTree>
+      <p:nvGrpSpPr>
+        <p:cNvPr id="1" name=""/>
+        <p:cNvGrpSpPr/>
+        <p:nvPr/>
+      </p:nvGrpSpPr>
+      <p:grpSpPr>
+        <a:xfrm>
+          <a:off x="0" y="0"/>
+          <a:ext cx="0" cy="0"/>
+          <a:chOff x="0" y="0"/>
+          <a:chExt cx="0" cy="0"/>
+        </a:xfrm>
+      </p:grpSpPr>
+      <p:sp>
+        <p:nvSpPr>
+          <p:cNvPr id="2" name="タイトル 1"/>
+          <p:cNvSpPr>
+            <a:spLocks noGrp="1"/>
+          </p:cNvSpPr>
+          <p:nvPr>
+            <p:ph type="title"/>
+          </p:nvPr>
+        </p:nvSpPr>
+        <p:spPr>
+          <a:xfrm>
+            <a:off x="810000" y="447188"/>
+            <a:ext cx="10571998" cy="970450"/>
+          </a:xfrm>
+        </p:spPr>
+        <p:txBody>
+          <a:bodyPr/>
+          <a:lstStyle/>
+          <a:p>
+            <a:pPr algn="ctr"/>
+            <a:r>
+              <a:rPr kumimoji="1" lang="ja-JP" altLang="en-US" dirty="0"/>
+              <a:t>機能</a:t>
+            </a:r>
+            <a:r>
+              <a:rPr kumimoji="1" lang="en-US" altLang="ja-JP" dirty="0"/>
+              <a:t>1</a:t>
+            </a:r>
+            <a:endParaRPr kumimoji="1" lang="ja-JP" altLang="en-US" dirty="0"/>
+          </a:p>
+        </p:txBody>
+      </p:sp>
+      <p:sp>
+        <p:nvSpPr>
+          <p:cNvPr id="3" name="コンテンツ プレースホルダー 2"/>
+          <p:cNvSpPr>
+            <a:spLocks noGrp="1"/>
+          </p:cNvSpPr>
+          <p:nvPr>
+            <p:ph idx="1"/>
+          </p:nvPr>
+        </p:nvSpPr>
+        <p:spPr/>
+        <p:txBody>
+          <a:bodyPr/>
+          <a:lstStyle/>
+          <a:p>
+            <a:r>
+              <a:rPr lang="ja-JP" altLang="en-US" sz="4400" dirty="0"/>
+              <a:t>スライドバーの追加</a:t>
+            </a:r>
+            <a:endParaRPr lang="en-US" altLang="ja-JP" sz="4400" dirty="0"/>
+          </a:p>
+          <a:p>
+            <a:pPr marL="0" indent="0">
+              <a:buNone/>
+            </a:pPr>
+            <a:endParaRPr lang="en-US" altLang="ja-JP" dirty="0"/>
+          </a:p>
+          <a:p>
+            <a:pPr marL="0" indent="0">
+              <a:buNone/>
+            </a:pPr>
+            <a:r>
+              <a:rPr lang="ja-JP" altLang="en-US" sz="2400" dirty="0" err="1"/>
+              <a:t>ー</a:t>
+            </a:r>
+            <a:r>
+              <a:rPr lang="ja-JP" altLang="en-US" sz="2400" dirty="0"/>
+              <a:t>＞　リアルタイムで変更が見</a:t>
+            </a:r>
+            <a:r>
+              <a:rPr lang="ja-JP" altLang="en-US" sz="2400" dirty="0" err="1"/>
+              <a:t>れ</a:t>
+            </a:r>
+            <a:r>
+              <a:rPr lang="ja-JP" altLang="en-US" sz="2400" dirty="0"/>
+              <a:t>、物件を表示してくれる。</a:t>
+            </a:r>
+            <a:endParaRPr lang="en-US" altLang="ja-JP" sz="2400" dirty="0"/>
+          </a:p>
+          <a:p>
+            <a:pPr marL="0" indent="0">
+              <a:buNone/>
+            </a:pPr>
+            <a:r>
+              <a:rPr lang="en-US" altLang="ja-JP" sz="2400" dirty="0"/>
+              <a:t>		</a:t>
+            </a:r>
+            <a:r>
+              <a:rPr lang="ja-JP" altLang="en-US" sz="2400" dirty="0"/>
+              <a:t>ユーザーが使いやすい。</a:t>
+            </a:r>
+            <a:endParaRPr lang="en-US" altLang="ja-JP" sz="2400" dirty="0"/>
+          </a:p>
+          <a:p>
+            <a:pPr marL="0" indent="0">
+              <a:buNone/>
+            </a:pPr>
+            <a:endParaRPr lang="en-US" altLang="ja-JP" dirty="0"/>
+          </a:p>
+        </p:txBody>
+      </p:sp>
+    </p:spTree>
+    <p:extLst>
+      <p:ext uri="{BB962C8B-B14F-4D97-AF65-F5344CB8AC3E}">
+        <p14:creationId xmlns:p14="http://schemas.microsoft.com/office/powerpoint/2010/main" val="3646686834"/>
+      </p:ext>
+    </p:extLst>
+  </p:cSld>
+  <p:clrMapOvr>
+    <a:masterClrMapping/>
+  </p:clrMapOvr>
+</p:sld>
+</file>
+
+<file path=ppt/slides/slide11.xml><?xml version="1.0" encoding="utf-8"?>
+<p:sld xmlns:a="http://schemas.openxmlformats.org/drawingml/2006/main" xmlns:r="http://schemas.openxmlformats.org/officeDocument/2006/relationships" xmlns:p="http://schemas.openxmlformats.org/presentationml/2006/main">
+  <p:cSld>
+    <p:spTree>
+      <p:nvGrpSpPr>
+        <p:cNvPr id="1" name=""/>
+        <p:cNvGrpSpPr/>
+        <p:nvPr/>
+      </p:nvGrpSpPr>
+      <p:grpSpPr>
+        <a:xfrm>
+          <a:off x="0" y="0"/>
+          <a:ext cx="0" cy="0"/>
+          <a:chOff x="0" y="0"/>
+          <a:chExt cx="0" cy="0"/>
+        </a:xfrm>
+      </p:grpSpPr>
+      <p:sp>
+        <p:nvSpPr>
+          <p:cNvPr id="2" name="タイトル 1"/>
+          <p:cNvSpPr>
+            <a:spLocks noGrp="1"/>
+          </p:cNvSpPr>
+          <p:nvPr>
+            <p:ph type="title"/>
+          </p:nvPr>
+        </p:nvSpPr>
+        <p:spPr/>
+        <p:txBody>
+          <a:bodyPr/>
+          <a:lstStyle/>
+          <a:p>
+            <a:pPr algn="ctr"/>
+            <a:r>
+              <a:rPr lang="ja-JP" altLang="en-US" dirty="0"/>
+              <a:t>機能</a:t>
+            </a:r>
+            <a:r>
+              <a:rPr lang="en-US" altLang="ja-JP" dirty="0"/>
+              <a:t>2</a:t>
+            </a:r>
+            <a:endParaRPr kumimoji="1" lang="ja-JP" altLang="en-US" dirty="0"/>
+          </a:p>
+        </p:txBody>
+      </p:sp>
+      <p:sp>
+        <p:nvSpPr>
+          <p:cNvPr id="3" name="コンテンツ プレースホルダー 2"/>
+          <p:cNvSpPr>
+            <a:spLocks noGrp="1"/>
+          </p:cNvSpPr>
+          <p:nvPr>
+            <p:ph idx="1"/>
+          </p:nvPr>
+        </p:nvSpPr>
+        <p:spPr/>
+        <p:txBody>
+          <a:bodyPr/>
+          <a:lstStyle/>
+          <a:p>
+            <a:r>
+              <a:rPr lang="ja-JP" altLang="en-US" sz="4400" dirty="0"/>
+              <a:t>ヒートマップの追加</a:t>
+            </a:r>
+            <a:endParaRPr lang="en-US" altLang="ja-JP" sz="4400" dirty="0"/>
+          </a:p>
+          <a:p>
+            <a:pPr marL="0" indent="0">
+              <a:buNone/>
+            </a:pPr>
+            <a:endParaRPr lang="en-US" altLang="ja-JP" sz="2400" dirty="0"/>
+          </a:p>
+          <a:p>
+            <a:pPr marL="0" indent="0">
+              <a:buNone/>
+            </a:pPr>
+            <a:r>
+              <a:rPr lang="ja-JP" altLang="en-US" sz="2400" dirty="0" err="1"/>
+              <a:t>ー</a:t>
+            </a:r>
+            <a:r>
+              <a:rPr lang="ja-JP" altLang="en-US" sz="2400" dirty="0"/>
+              <a:t>＞　自分の条件に合う物件がある密度を表すことで、一目でどこの地域を</a:t>
+            </a:r>
+            <a:r>
+              <a:rPr lang="en-US" altLang="ja-JP" sz="2400" dirty="0"/>
+              <a:t>		</a:t>
+            </a:r>
+            <a:r>
+              <a:rPr lang="ja-JP" altLang="en-US" sz="2400" dirty="0"/>
+              <a:t>見ればよいか分かる。</a:t>
+            </a:r>
+          </a:p>
+          <a:p>
+            <a:endParaRPr kumimoji="1" lang="ja-JP" altLang="en-US" dirty="0"/>
+          </a:p>
+        </p:txBody>
+      </p:sp>
+    </p:spTree>
+    <p:extLst>
+      <p:ext uri="{BB962C8B-B14F-4D97-AF65-F5344CB8AC3E}">
+        <p14:creationId xmlns:p14="http://schemas.microsoft.com/office/powerpoint/2010/main" val="2306280394"/>
+      </p:ext>
+    </p:extLst>
+  </p:cSld>
+  <p:clrMapOvr>
+    <a:masterClrMapping/>
+  </p:clrMapOvr>
+</p:sld>
+</file>
+
+<file path=ppt/slides/slide12.xml><?xml version="1.0" encoding="utf-8"?>
+<p:sld xmlns:a="http://schemas.openxmlformats.org/drawingml/2006/main" xmlns:r="http://schemas.openxmlformats.org/officeDocument/2006/relationships" xmlns:p="http://schemas.openxmlformats.org/presentationml/2006/main">
+  <p:cSld>
+    <p:spTree>
+      <p:nvGrpSpPr>
+        <p:cNvPr id="1" name=""/>
+        <p:cNvGrpSpPr/>
+        <p:nvPr/>
+      </p:nvGrpSpPr>
+      <p:grpSpPr>
+        <a:xfrm>
+          <a:off x="0" y="0"/>
+          <a:ext cx="0" cy="0"/>
+          <a:chOff x="0" y="0"/>
+          <a:chExt cx="0" cy="0"/>
+        </a:xfrm>
+      </p:grpSpPr>
+      <p:sp>
+        <p:nvSpPr>
+          <p:cNvPr id="2" name="タイトル 1"/>
+          <p:cNvSpPr>
+            <a:spLocks noGrp="1"/>
+          </p:cNvSpPr>
+          <p:nvPr>
+            <p:ph type="title"/>
+          </p:nvPr>
+        </p:nvSpPr>
+        <p:spPr/>
+        <p:txBody>
+          <a:bodyPr/>
+          <a:lstStyle/>
+          <a:p>
+            <a:r>
+              <a:rPr lang="ja-JP" altLang="en-US" dirty="0"/>
+              <a:t>今後の課題</a:t>
+            </a:r>
+            <a:endParaRPr kumimoji="1" lang="ja-JP" altLang="en-US" dirty="0"/>
+          </a:p>
+        </p:txBody>
+      </p:sp>
+      <p:sp>
+        <p:nvSpPr>
+          <p:cNvPr id="3" name="コンテンツ プレースホルダー 2"/>
+          <p:cNvSpPr>
+            <a:spLocks noGrp="1"/>
+          </p:cNvSpPr>
+          <p:nvPr>
+            <p:ph idx="1"/>
+          </p:nvPr>
+        </p:nvSpPr>
+        <p:spPr/>
+        <p:txBody>
+          <a:bodyPr>
+            <a:normAutofit/>
+          </a:bodyPr>
+          <a:lstStyle/>
+          <a:p>
+            <a:r>
+              <a:rPr lang="ja-JP" altLang="en-US" sz="3200" dirty="0"/>
+              <a:t>処理を軽くする</a:t>
+            </a:r>
+            <a:endParaRPr kumimoji="1" lang="en-US" altLang="ja-JP" sz="3200" dirty="0"/>
+          </a:p>
+          <a:p>
+            <a:r>
+              <a:rPr kumimoji="1" lang="ja-JP" altLang="en-US" sz="3200" dirty="0"/>
+              <a:t>条件のスライドバーの増加</a:t>
+            </a:r>
+            <a:endParaRPr kumimoji="1" lang="en-US" altLang="ja-JP" sz="3200" dirty="0"/>
+          </a:p>
+          <a:p>
+            <a:r>
+              <a:rPr lang="en-US" altLang="ja-JP" sz="3200" dirty="0"/>
+              <a:t>UI</a:t>
+            </a:r>
+            <a:r>
+              <a:rPr lang="ja-JP" altLang="en-US" sz="3200" dirty="0"/>
+              <a:t>のさらなる改善</a:t>
+            </a:r>
+            <a:endParaRPr lang="en-US" altLang="ja-JP" sz="3200" dirty="0"/>
+          </a:p>
+          <a:p>
+            <a:r>
+              <a:rPr lang="ja-JP" altLang="en-US" sz="3200" dirty="0"/>
+              <a:t>機能の追加など</a:t>
+            </a:r>
+            <a:endParaRPr kumimoji="1" lang="ja-JP" altLang="en-US" sz="3200" dirty="0"/>
+          </a:p>
+        </p:txBody>
+      </p:sp>
+    </p:spTree>
+    <p:extLst>
+      <p:ext uri="{BB962C8B-B14F-4D97-AF65-F5344CB8AC3E}">
+        <p14:creationId xmlns:p14="http://schemas.microsoft.com/office/powerpoint/2010/main" val="1746554679"/>
+      </p:ext>
+    </p:extLst>
+  </p:cSld>
+  <p:clrMapOvr>
+    <a:masterClrMapping/>
+  </p:clrMapOvr>
+</p:sld>
+</file>
+
+<file path=ppt/slides/slide13.xml><?xml version="1.0" encoding="utf-8"?>
+<p:sld xmlns:a="http://schemas.openxmlformats.org/drawingml/2006/main" xmlns:r="http://schemas.openxmlformats.org/officeDocument/2006/relationships" xmlns:p="http://schemas.openxmlformats.org/presentationml/2006/main">
+  <p:cSld>
+    <p:spTree>
+      <p:nvGrpSpPr>
+        <p:cNvPr id="1" name=""/>
+        <p:cNvGrpSpPr/>
+        <p:nvPr/>
+      </p:nvGrpSpPr>
+      <p:grpSpPr>
+        <a:xfrm>
+          <a:off x="0" y="0"/>
+          <a:ext cx="0" cy="0"/>
+          <a:chOff x="0" y="0"/>
+          <a:chExt cx="0" cy="0"/>
+        </a:xfrm>
+      </p:grpSpPr>
+      <p:sp>
+        <p:nvSpPr>
+          <p:cNvPr id="2" name="タイトル 1"/>
+          <p:cNvSpPr>
+            <a:spLocks noGrp="1"/>
+          </p:cNvSpPr>
+          <p:nvPr>
+            <p:ph type="ctrTitle"/>
+          </p:nvPr>
+        </p:nvSpPr>
+        <p:spPr/>
+        <p:txBody>
+          <a:bodyPr/>
+          <a:lstStyle/>
+          <a:p>
+            <a:r>
+              <a:rPr kumimoji="1" lang="ja-JP" altLang="en-US" dirty="0"/>
+              <a:t>ご清聴ありがとうございました。</a:t>
+            </a:r>
+          </a:p>
+        </p:txBody>
+      </p:sp>
+    </p:spTree>
+    <p:extLst>
+      <p:ext uri="{BB962C8B-B14F-4D97-AF65-F5344CB8AC3E}">
+        <p14:creationId xmlns:p14="http://schemas.microsoft.com/office/powerpoint/2010/main" val="706115758"/>
       </p:ext>
     </p:extLst>
   </p:cSld>
@@ -6134,27 +6536,27 @@
           <a:lstStyle/>
           <a:p>
             <a:r>
-              <a:rPr kumimoji="1" lang="ja-JP" altLang="en-US" dirty="0" smtClean="0"/>
+              <a:rPr kumimoji="1" lang="ja-JP" altLang="en-US" dirty="0"/>
               <a:t>佐古嵐</a:t>
             </a:r>
             <a:r>
-              <a:rPr kumimoji="1" lang="en-US" altLang="ja-JP" dirty="0" smtClean="0"/>
+              <a:rPr kumimoji="1" lang="en-US" altLang="ja-JP" dirty="0"/>
               <a:t>(</a:t>
             </a:r>
             <a:r>
-              <a:rPr kumimoji="1" lang="en-US" altLang="ja-JP" dirty="0" err="1" smtClean="0"/>
+              <a:rPr kumimoji="1" lang="en-US" altLang="ja-JP" dirty="0" err="1"/>
               <a:t>Arashi</a:t>
             </a:r>
             <a:r>
-              <a:rPr kumimoji="1" lang="en-US" altLang="ja-JP" dirty="0" smtClean="0"/>
+              <a:rPr kumimoji="1" lang="en-US" altLang="ja-JP" dirty="0"/>
               <a:t> </a:t>
             </a:r>
             <a:r>
-              <a:rPr kumimoji="1" lang="en-US" altLang="ja-JP" dirty="0" err="1" smtClean="0"/>
+              <a:rPr kumimoji="1" lang="en-US" altLang="ja-JP" dirty="0" err="1"/>
               <a:t>Sako</a:t>
             </a:r>
             <a:r>
-              <a:rPr kumimoji="1" lang="en-US" altLang="ja-JP" dirty="0" smtClean="0"/>
+              <a:rPr kumimoji="1" lang="en-US" altLang="ja-JP" dirty="0"/>
               <a:t>)</a:t>
             </a:r>
             <a:endParaRPr kumimoji="1" lang="ja-JP" altLang="en-US" dirty="0"/>
@@ -6179,63 +6581,62 @@
           <a:lstStyle/>
           <a:p>
             <a:r>
-              <a:rPr kumimoji="1" lang="ja-JP" altLang="en-US" sz="3200" dirty="0" smtClean="0"/>
+              <a:rPr kumimoji="1" lang="ja-JP" altLang="en-US" sz="3200" dirty="0"/>
               <a:t>神戸大学工学部情報知能工学科</a:t>
             </a:r>
             <a:r>
-              <a:rPr kumimoji="1" lang="en-US" altLang="ja-JP" sz="3200" dirty="0" smtClean="0"/>
+              <a:rPr kumimoji="1" lang="en-US" altLang="ja-JP" sz="3200" dirty="0"/>
               <a:t>3</a:t>
             </a:r>
             <a:r>
-              <a:rPr kumimoji="1" lang="ja-JP" altLang="en-US" sz="3200" dirty="0" smtClean="0"/>
+              <a:rPr kumimoji="1" lang="ja-JP" altLang="en-US" sz="3200" dirty="0"/>
               <a:t>回生</a:t>
             </a:r>
-            <a:endParaRPr kumimoji="1" lang="en-US" altLang="ja-JP" sz="3200" dirty="0" smtClean="0"/>
-          </a:p>
-          <a:p>
-            <a:r>
-              <a:rPr lang="ja-JP" altLang="en-US" sz="3200" dirty="0" smtClean="0"/>
+            <a:endParaRPr kumimoji="1" lang="en-US" altLang="ja-JP" sz="3200" dirty="0"/>
+          </a:p>
+          <a:p>
+            <a:r>
+              <a:rPr lang="ja-JP" altLang="en-US" sz="3200" dirty="0"/>
               <a:t>年齢</a:t>
             </a:r>
             <a:r>
-              <a:rPr lang="en-US" altLang="ja-JP" sz="3200" dirty="0" smtClean="0"/>
+              <a:rPr lang="en-US" altLang="ja-JP" sz="3200" dirty="0"/>
               <a:t>:20</a:t>
             </a:r>
             <a:r>
-              <a:rPr lang="ja-JP" altLang="en-US" sz="3200" dirty="0" smtClean="0"/>
+              <a:rPr lang="ja-JP" altLang="en-US" sz="3200" dirty="0"/>
               <a:t>歳</a:t>
             </a:r>
-            <a:endParaRPr kumimoji="1" lang="en-US" altLang="ja-JP" sz="3200" dirty="0" smtClean="0"/>
-          </a:p>
-          <a:p>
-            <a:r>
-              <a:rPr lang="ja-JP" altLang="en-US" sz="3200" dirty="0" smtClean="0"/>
+            <a:endParaRPr kumimoji="1" lang="en-US" altLang="ja-JP" sz="3200" dirty="0"/>
+          </a:p>
+          <a:p>
+            <a:r>
+              <a:rPr lang="ja-JP" altLang="en-US" sz="3200" dirty="0"/>
               <a:t>好きな言語</a:t>
             </a:r>
             <a:r>
-              <a:rPr lang="en-US" altLang="ja-JP" sz="3200" dirty="0" smtClean="0"/>
+              <a:rPr lang="en-US" altLang="ja-JP" sz="3200" dirty="0"/>
               <a:t>:</a:t>
             </a:r>
             <a:r>
-              <a:rPr lang="en-US" altLang="ja-JP" sz="3200" dirty="0" err="1" smtClean="0"/>
+              <a:rPr lang="en-US" altLang="ja-JP" sz="3200" dirty="0" err="1"/>
               <a:t>ruby,python</a:t>
             </a:r>
-            <a:endParaRPr lang="en-US" altLang="ja-JP" sz="3200" dirty="0" smtClean="0"/>
-          </a:p>
-          <a:p>
-            <a:r>
-              <a:rPr kumimoji="1" lang="ja-JP" altLang="en-US" sz="3200" dirty="0" smtClean="0"/>
+            <a:endParaRPr lang="en-US" altLang="ja-JP" sz="3200" dirty="0"/>
+          </a:p>
+          <a:p>
+            <a:r>
+              <a:rPr kumimoji="1" lang="ja-JP" altLang="en-US" sz="3200" dirty="0"/>
               <a:t>趣味</a:t>
             </a:r>
             <a:r>
-              <a:rPr kumimoji="1" lang="en-US" altLang="ja-JP" sz="3200" dirty="0" smtClean="0"/>
+              <a:rPr kumimoji="1" lang="en-US" altLang="ja-JP" sz="3200" dirty="0"/>
               <a:t>:</a:t>
             </a:r>
             <a:r>
-              <a:rPr kumimoji="1" lang="ja-JP" altLang="en-US" sz="3200" dirty="0" smtClean="0"/>
+              <a:rPr kumimoji="1" lang="ja-JP" altLang="en-US" sz="3200" dirty="0"/>
               <a:t>睡眠、サッカー</a:t>
             </a:r>
-            <a:endParaRPr kumimoji="1" lang="ja-JP" altLang="en-US" sz="3200" dirty="0"/>
           </a:p>
         </p:txBody>
       </p:sp>
@@ -6285,27 +6686,27 @@
           <a:lstStyle/>
           <a:p>
             <a:r>
-              <a:rPr kumimoji="1" lang="ja-JP" altLang="en-US" dirty="0" smtClean="0"/>
+              <a:rPr kumimoji="1" lang="ja-JP" altLang="en-US" dirty="0"/>
               <a:t>関根裕人</a:t>
             </a:r>
             <a:r>
-              <a:rPr kumimoji="1" lang="en-US" altLang="ja-JP" dirty="0" smtClean="0"/>
+              <a:rPr kumimoji="1" lang="en-US" altLang="ja-JP" dirty="0"/>
               <a:t>(</a:t>
             </a:r>
             <a:r>
-              <a:rPr kumimoji="1" lang="en-US" altLang="ja-JP" dirty="0" err="1" smtClean="0"/>
+              <a:rPr kumimoji="1" lang="en-US" altLang="ja-JP" dirty="0" err="1"/>
               <a:t>Hiroto</a:t>
             </a:r>
             <a:r>
-              <a:rPr kumimoji="1" lang="en-US" altLang="ja-JP" dirty="0" smtClean="0"/>
+              <a:rPr kumimoji="1" lang="en-US" altLang="ja-JP" dirty="0"/>
               <a:t> </a:t>
             </a:r>
             <a:r>
-              <a:rPr kumimoji="1" lang="en-US" altLang="ja-JP" dirty="0" err="1" smtClean="0"/>
+              <a:rPr kumimoji="1" lang="en-US" altLang="ja-JP" dirty="0" err="1"/>
               <a:t>Sekine</a:t>
             </a:r>
             <a:r>
-              <a:rPr kumimoji="1" lang="en-US" altLang="ja-JP" dirty="0" smtClean="0"/>
+              <a:rPr kumimoji="1" lang="en-US" altLang="ja-JP" dirty="0"/>
               <a:t>)</a:t>
             </a:r>
             <a:endParaRPr kumimoji="1" lang="ja-JP" altLang="en-US" dirty="0"/>
@@ -6330,59 +6731,59 @@
           <a:lstStyle/>
           <a:p>
             <a:r>
-              <a:rPr kumimoji="1" lang="ja-JP" altLang="en-US" sz="3200" dirty="0" smtClean="0"/>
+              <a:rPr kumimoji="1" lang="ja-JP" altLang="en-US" sz="3200" dirty="0"/>
               <a:t>筑波大学情報メディア創成学類</a:t>
             </a:r>
             <a:r>
-              <a:rPr kumimoji="1" lang="en-US" altLang="ja-JP" sz="3200" dirty="0" smtClean="0"/>
+              <a:rPr kumimoji="1" lang="en-US" altLang="ja-JP" sz="3200" dirty="0"/>
               <a:t>3</a:t>
             </a:r>
             <a:r>
-              <a:rPr kumimoji="1" lang="ja-JP" altLang="en-US" sz="3200" dirty="0" smtClean="0"/>
+              <a:rPr kumimoji="1" lang="ja-JP" altLang="en-US" sz="3200" dirty="0"/>
               <a:t>回生</a:t>
             </a:r>
-            <a:endParaRPr kumimoji="1" lang="en-US" altLang="ja-JP" sz="3200" dirty="0" smtClean="0"/>
-          </a:p>
-          <a:p>
-            <a:r>
-              <a:rPr lang="ja-JP" altLang="en-US" sz="3200" dirty="0" smtClean="0"/>
+            <a:endParaRPr kumimoji="1" lang="en-US" altLang="ja-JP" sz="3200" dirty="0"/>
+          </a:p>
+          <a:p>
+            <a:r>
+              <a:rPr lang="ja-JP" altLang="en-US" sz="3200" dirty="0"/>
               <a:t>年齢</a:t>
             </a:r>
             <a:r>
-              <a:rPr lang="en-US" altLang="ja-JP" sz="3200" dirty="0" smtClean="0"/>
+              <a:rPr lang="en-US" altLang="ja-JP" sz="3200" dirty="0"/>
               <a:t>20</a:t>
             </a:r>
             <a:r>
-              <a:rPr lang="ja-JP" altLang="en-US" sz="3200" dirty="0" smtClean="0"/>
+              <a:rPr lang="ja-JP" altLang="en-US" sz="3200" dirty="0"/>
               <a:t>歳</a:t>
             </a:r>
-            <a:endParaRPr lang="en-US" altLang="ja-JP" sz="3200" dirty="0" smtClean="0"/>
-          </a:p>
-          <a:p>
-            <a:r>
-              <a:rPr lang="ja-JP" altLang="en-US" sz="3200" dirty="0" smtClean="0"/>
+            <a:endParaRPr lang="en-US" altLang="ja-JP" sz="3200" dirty="0"/>
+          </a:p>
+          <a:p>
+            <a:r>
+              <a:rPr lang="ja-JP" altLang="en-US" sz="3200" dirty="0"/>
               <a:t>好きな言語</a:t>
             </a:r>
             <a:r>
-              <a:rPr lang="en-US" altLang="ja-JP" sz="3200" dirty="0" smtClean="0"/>
+              <a:rPr lang="en-US" altLang="ja-JP" sz="3200" dirty="0"/>
               <a:t>:ruby</a:t>
             </a:r>
           </a:p>
           <a:p>
             <a:r>
-              <a:rPr lang="ja-JP" altLang="en-US" sz="3200" dirty="0" smtClean="0"/>
+              <a:rPr lang="ja-JP" altLang="en-US" sz="3200" dirty="0"/>
               <a:t>趣味</a:t>
             </a:r>
             <a:r>
-              <a:rPr lang="en-US" altLang="ja-JP" sz="3200" dirty="0" smtClean="0"/>
+              <a:rPr lang="en-US" altLang="ja-JP" sz="3200" dirty="0"/>
               <a:t>:</a:t>
             </a:r>
             <a:r>
-              <a:rPr lang="ja-JP" altLang="en-US" sz="3200" dirty="0" smtClean="0"/>
+              <a:rPr lang="ja-JP" altLang="en-US" sz="3200" dirty="0"/>
               <a:t>サッカー、</a:t>
             </a:r>
             <a:r>
-              <a:rPr lang="en-US" altLang="ja-JP" sz="3200" dirty="0" smtClean="0"/>
+              <a:rPr lang="en-US" altLang="ja-JP" sz="3200" dirty="0"/>
               <a:t>music</a:t>
             </a:r>
           </a:p>
@@ -6434,31 +6835,31 @@
           <a:lstStyle/>
           <a:p>
             <a:r>
-              <a:rPr kumimoji="1" lang="ja-JP" altLang="en-US" dirty="0" smtClean="0"/>
+              <a:rPr kumimoji="1" lang="ja-JP" altLang="en-US" dirty="0"/>
               <a:t>深谷</a:t>
             </a:r>
             <a:r>
-              <a:rPr lang="ja-JP" altLang="en-US" dirty="0" smtClean="0"/>
+              <a:rPr lang="ja-JP" altLang="en-US" dirty="0"/>
               <a:t>大樹</a:t>
             </a:r>
             <a:r>
-              <a:rPr lang="en-US" altLang="ja-JP" dirty="0" smtClean="0"/>
+              <a:rPr lang="en-US" altLang="ja-JP" dirty="0"/>
               <a:t>(</a:t>
             </a:r>
             <a:r>
-              <a:rPr lang="en-US" altLang="ja-JP" dirty="0" err="1" smtClean="0"/>
+              <a:rPr lang="en-US" altLang="ja-JP" dirty="0" err="1"/>
               <a:t>Taiju</a:t>
             </a:r>
             <a:r>
-              <a:rPr lang="en-US" altLang="ja-JP" dirty="0" smtClean="0"/>
+              <a:rPr lang="en-US" altLang="ja-JP" dirty="0"/>
               <a:t> </a:t>
             </a:r>
             <a:r>
-              <a:rPr lang="en-US" altLang="ja-JP" dirty="0" err="1" smtClean="0"/>
+              <a:rPr lang="en-US" altLang="ja-JP" dirty="0" err="1"/>
               <a:t>Fukaya</a:t>
             </a:r>
             <a:r>
-              <a:rPr lang="en-US" altLang="ja-JP" dirty="0" smtClean="0"/>
+              <a:rPr lang="en-US" altLang="ja-JP" dirty="0"/>
               <a:t>)</a:t>
             </a:r>
             <a:endParaRPr kumimoji="1" lang="ja-JP" altLang="en-US" dirty="0"/>
@@ -6486,22 +6887,22 @@
           <a:lstStyle/>
           <a:p>
             <a:r>
-              <a:rPr kumimoji="1" lang="ja-JP" altLang="en-US" sz="3200" dirty="0" smtClean="0"/>
+              <a:rPr kumimoji="1" lang="ja-JP" altLang="en-US" sz="3200" dirty="0"/>
               <a:t>京都産業大学</a:t>
             </a:r>
             <a:r>
-              <a:rPr lang="ja-JP" altLang="en-US" sz="3200" dirty="0" smtClean="0"/>
+              <a:rPr lang="ja-JP" altLang="en-US" sz="3200" dirty="0"/>
               <a:t>コンピュータ理工学部</a:t>
             </a:r>
             <a:r>
-              <a:rPr lang="en-US" altLang="ja-JP" sz="3200" dirty="0" smtClean="0"/>
+              <a:rPr lang="en-US" altLang="ja-JP" sz="3200" dirty="0"/>
               <a:t>3</a:t>
             </a:r>
             <a:r>
-              <a:rPr lang="ja-JP" altLang="en-US" sz="3200" dirty="0" smtClean="0"/>
+              <a:rPr lang="ja-JP" altLang="en-US" sz="3200" dirty="0"/>
               <a:t>回生</a:t>
             </a:r>
-            <a:endParaRPr lang="en-US" altLang="ja-JP" sz="3200" dirty="0" smtClean="0"/>
+            <a:endParaRPr lang="en-US" altLang="ja-JP" sz="3200" dirty="0"/>
           </a:p>
           <a:p>
             <a:r>
@@ -6513,43 +6914,43 @@
               <a:t>:20</a:t>
             </a:r>
             <a:r>
-              <a:rPr lang="ja-JP" altLang="en-US" sz="3200" dirty="0" smtClean="0"/>
+              <a:rPr lang="ja-JP" altLang="en-US" sz="3200" dirty="0"/>
               <a:t>歳</a:t>
             </a:r>
-            <a:endParaRPr lang="en-US" altLang="ja-JP" sz="3200" dirty="0" smtClean="0"/>
-          </a:p>
-          <a:p>
-            <a:r>
-              <a:rPr lang="ja-JP" altLang="en-US" sz="3200" dirty="0" smtClean="0"/>
+            <a:endParaRPr lang="en-US" altLang="ja-JP" sz="3200" dirty="0"/>
+          </a:p>
+          <a:p>
+            <a:r>
+              <a:rPr lang="ja-JP" altLang="en-US" sz="3200" dirty="0"/>
               <a:t>好きな言語</a:t>
             </a:r>
             <a:r>
-              <a:rPr lang="en-US" altLang="ja-JP" sz="3200" dirty="0" smtClean="0"/>
+              <a:rPr lang="en-US" altLang="ja-JP" sz="3200" dirty="0"/>
               <a:t>:</a:t>
             </a:r>
             <a:r>
-              <a:rPr lang="en-US" altLang="ja-JP" sz="3200" dirty="0" err="1" smtClean="0"/>
+              <a:rPr lang="en-US" altLang="ja-JP" sz="3200" dirty="0" err="1"/>
               <a:t>php,ruby,python</a:t>
             </a:r>
-            <a:endParaRPr lang="en-US" altLang="ja-JP" sz="3200" dirty="0" smtClean="0"/>
-          </a:p>
-          <a:p>
-            <a:r>
-              <a:rPr lang="ja-JP" altLang="en-US" sz="3200" dirty="0" smtClean="0"/>
+            <a:endParaRPr lang="en-US" altLang="ja-JP" sz="3200" dirty="0"/>
+          </a:p>
+          <a:p>
+            <a:r>
+              <a:rPr lang="ja-JP" altLang="en-US" sz="3200" dirty="0"/>
               <a:t>趣味</a:t>
             </a:r>
             <a:r>
-              <a:rPr lang="en-US" altLang="ja-JP" sz="3200" dirty="0" smtClean="0"/>
+              <a:rPr lang="en-US" altLang="ja-JP" sz="3200" dirty="0"/>
               <a:t>:</a:t>
             </a:r>
             <a:r>
-              <a:rPr lang="ja-JP" altLang="en-US" sz="3200" dirty="0" smtClean="0"/>
+              <a:rPr lang="ja-JP" altLang="en-US" sz="3200" dirty="0"/>
               <a:t>ダイビング、睡眠、食事</a:t>
             </a:r>
-            <a:endParaRPr lang="en-US" altLang="ja-JP" sz="3200" dirty="0" smtClean="0"/>
-          </a:p>
-          <a:p>
-            <a:endParaRPr lang="en-US" altLang="ja-JP" dirty="0" smtClean="0"/>
+            <a:endParaRPr lang="en-US" altLang="ja-JP" sz="3200" dirty="0"/>
+          </a:p>
+          <a:p>
+            <a:endParaRPr lang="en-US" altLang="ja-JP" dirty="0"/>
           </a:p>
           <a:p>
             <a:endParaRPr kumimoji="1" lang="ja-JP" altLang="en-US" dirty="0"/>
@@ -6566,13 +6967,6 @@
   <p:clrMapOvr>
     <a:masterClrMapping/>
   </p:clrMapOvr>
-  <p:timing>
-    <p:tnLst>
-      <p:par>
-        <p:cTn id="1" dur="indefinite" restart="never" nodeType="tmRoot"/>
-      </p:par>
-    </p:tnLst>
-  </p:timing>
 </p:sld>
 </file>
 
@@ -6609,10 +7003,9 @@
           <a:lstStyle/>
           <a:p>
             <a:r>
-              <a:rPr kumimoji="1" lang="ja-JP" altLang="en-US" dirty="0" smtClean="0"/>
+              <a:rPr kumimoji="1" lang="ja-JP" altLang="en-US" dirty="0"/>
               <a:t>仮説</a:t>
             </a:r>
-            <a:endParaRPr kumimoji="1" lang="ja-JP" altLang="en-US" dirty="0"/>
           </a:p>
         </p:txBody>
       </p:sp>
@@ -6639,108 +7032,92 @@
           <a:lstStyle/>
           <a:p>
             <a:r>
-              <a:rPr kumimoji="1" lang="ja-JP" altLang="en-US" sz="3200" dirty="0" smtClean="0"/>
+              <a:rPr kumimoji="1" lang="ja-JP" altLang="en-US" sz="3200" dirty="0"/>
               <a:t>ターゲット</a:t>
             </a:r>
             <a:r>
-              <a:rPr kumimoji="1" lang="en-US" altLang="ja-JP" sz="3200" dirty="0" smtClean="0"/>
+              <a:rPr kumimoji="1" lang="en-US" altLang="ja-JP" sz="3200" dirty="0"/>
               <a:t>:</a:t>
             </a:r>
             <a:r>
-              <a:rPr kumimoji="1" lang="ja-JP" altLang="en-US" sz="3200" dirty="0" smtClean="0"/>
+              <a:rPr kumimoji="1" lang="ja-JP" altLang="en-US" sz="3200" dirty="0"/>
               <a:t>東京に引越しを考えている</a:t>
             </a:r>
             <a:r>
-              <a:rPr lang="ja-JP" altLang="en-US" sz="3200" dirty="0" smtClean="0"/>
+              <a:rPr lang="ja-JP" altLang="en-US" sz="3200" dirty="0"/>
               <a:t>人</a:t>
             </a:r>
-            <a:endParaRPr kumimoji="1" lang="en-US" altLang="ja-JP" sz="3200" dirty="0" smtClean="0"/>
-          </a:p>
-          <a:p>
-            <a:r>
-              <a:rPr kumimoji="1" lang="ja-JP" altLang="en-US" sz="3200" dirty="0" smtClean="0"/>
+            <a:endParaRPr kumimoji="1" lang="en-US" altLang="ja-JP" sz="3200" dirty="0"/>
+          </a:p>
+          <a:p>
+            <a:r>
+              <a:rPr kumimoji="1" lang="ja-JP" altLang="en-US" sz="3200" dirty="0"/>
               <a:t>欲求</a:t>
             </a:r>
             <a:r>
-              <a:rPr kumimoji="1" lang="en-US" altLang="ja-JP" sz="3200" dirty="0" smtClean="0"/>
+              <a:rPr kumimoji="1" lang="en-US" altLang="ja-JP" sz="3200" dirty="0"/>
               <a:t>:</a:t>
             </a:r>
             <a:r>
-              <a:rPr kumimoji="1" lang="ja-JP" altLang="en-US" sz="3200" dirty="0" smtClean="0"/>
+              <a:rPr kumimoji="1" lang="ja-JP" altLang="en-US" sz="3200" dirty="0"/>
               <a:t>自分の理想にあった家を借りたい</a:t>
             </a:r>
-            <a:endParaRPr kumimoji="1" lang="en-US" altLang="ja-JP" sz="3200" dirty="0" smtClean="0"/>
-          </a:p>
-          <a:p>
-            <a:r>
-              <a:rPr lang="ja-JP" altLang="en-US" sz="3200" dirty="0" smtClean="0"/>
+            <a:endParaRPr kumimoji="1" lang="en-US" altLang="ja-JP" sz="3200" dirty="0"/>
+          </a:p>
+          <a:p>
+            <a:r>
+              <a:rPr lang="ja-JP" altLang="en-US" sz="3200" dirty="0"/>
               <a:t>課題</a:t>
             </a:r>
             <a:r>
-              <a:rPr lang="en-US" altLang="ja-JP" sz="3200" dirty="0" smtClean="0"/>
+              <a:rPr lang="en-US" altLang="ja-JP" sz="3200" dirty="0"/>
               <a:t>:</a:t>
             </a:r>
             <a:r>
-              <a:rPr lang="ja-JP" altLang="en-US" sz="3200" dirty="0" smtClean="0"/>
+              <a:rPr lang="ja-JP" altLang="en-US" sz="3200" dirty="0"/>
               <a:t>既存のサービスでは検索の条件が多すぎる</a:t>
             </a:r>
-            <a:r>
-              <a:rPr lang="en-US" altLang="ja-JP" sz="3200" dirty="0" smtClean="0"/>
-              <a:t/>
-            </a:r>
             <a:br>
-              <a:rPr lang="en-US" altLang="ja-JP" sz="3200" dirty="0" smtClean="0"/>
+              <a:rPr lang="en-US" altLang="ja-JP" sz="3200" dirty="0"/>
             </a:br>
             <a:r>
-              <a:rPr lang="ja-JP" altLang="en-US" sz="3200" dirty="0" smtClean="0"/>
+              <a:rPr lang="ja-JP" altLang="en-US" sz="3200" dirty="0"/>
               <a:t>　　</a:t>
             </a:r>
             <a:r>
-              <a:rPr lang="en-US" altLang="ja-JP" sz="3200" dirty="0" smtClean="0"/>
+              <a:rPr lang="en-US" altLang="ja-JP" sz="3200" dirty="0"/>
               <a:t> </a:t>
             </a:r>
             <a:r>
-              <a:rPr lang="ja-JP" altLang="en-US" sz="3200" dirty="0" smtClean="0"/>
-              <a:t>様々な条件を少しずつ変更して</a:t>
-            </a:r>
-            <a:r>
-              <a:rPr lang="ja-JP" altLang="en-US" sz="3200" dirty="0" smtClean="0"/>
-              <a:t>検索するのが面倒くさい</a:t>
-            </a:r>
-            <a:endParaRPr kumimoji="1" lang="en-US" altLang="ja-JP" sz="3200" dirty="0" smtClean="0"/>
-          </a:p>
-          <a:p>
-            <a:r>
-              <a:rPr kumimoji="1" lang="ja-JP" altLang="en-US" sz="3200" dirty="0" smtClean="0"/>
+              <a:rPr lang="ja-JP" altLang="en-US" sz="3200" dirty="0"/>
+              <a:t>様々な条件を少しずつ変更して検索するのが面倒くさい</a:t>
+            </a:r>
+            <a:endParaRPr kumimoji="1" lang="en-US" altLang="ja-JP" sz="3200" dirty="0"/>
+          </a:p>
+          <a:p>
+            <a:r>
+              <a:rPr kumimoji="1" lang="ja-JP" altLang="en-US" sz="3200" dirty="0"/>
               <a:t>課題解決</a:t>
             </a:r>
             <a:r>
-              <a:rPr kumimoji="1" lang="en-US" altLang="ja-JP" sz="3200" dirty="0" smtClean="0"/>
+              <a:rPr kumimoji="1" lang="en-US" altLang="ja-JP" sz="3200" dirty="0"/>
               <a:t>:</a:t>
             </a:r>
             <a:r>
-              <a:rPr lang="ja-JP" altLang="en-US" sz="3200" dirty="0" smtClean="0"/>
-              <a:t>直感的に検索し、だいたいどのあたりが空いているのか分かるようにした</a:t>
-            </a:r>
-            <a:r>
-              <a:rPr lang="ja-JP" altLang="en-US" sz="3200" dirty="0" smtClean="0"/>
-              <a:t>。</a:t>
-            </a:r>
-            <a:r>
-              <a:rPr lang="en-US" altLang="ja-JP" sz="3200" dirty="0" smtClean="0"/>
-              <a:t/>
+              <a:rPr lang="ja-JP" altLang="en-US" sz="3200" dirty="0"/>
+              <a:t>直感的に検索し、だいたいどのあたりが空いているのか分かるようにした。</a:t>
             </a:r>
             <a:br>
-              <a:rPr lang="en-US" altLang="ja-JP" sz="3200" dirty="0" smtClean="0"/>
+              <a:rPr lang="en-US" altLang="ja-JP" sz="3200" dirty="0"/>
             </a:br>
             <a:r>
-              <a:rPr lang="ja-JP" altLang="en-US" sz="3200" dirty="0" smtClean="0"/>
+              <a:rPr lang="ja-JP" altLang="en-US" sz="3200" dirty="0"/>
               <a:t>検索の煩わしさを解消</a:t>
             </a:r>
-            <a:endParaRPr kumimoji="1" lang="en-US" altLang="ja-JP" sz="3200" dirty="0" smtClean="0"/>
-          </a:p>
-          <a:p>
-            <a:endParaRPr kumimoji="1" lang="en-US" altLang="ja-JP" sz="3200" dirty="0" smtClean="0"/>
+            <a:endParaRPr kumimoji="1" lang="en-US" altLang="ja-JP" sz="3200" dirty="0"/>
+          </a:p>
+          <a:p>
+            <a:endParaRPr kumimoji="1" lang="en-US" altLang="ja-JP" sz="3200" dirty="0"/>
           </a:p>
           <a:p>
             <a:endParaRPr kumimoji="1" lang="ja-JP" altLang="en-US" sz="3200" dirty="0"/>
@@ -6757,13 +7134,6 @@
   <p:clrMapOvr>
     <a:masterClrMapping/>
   </p:clrMapOvr>
-  <p:timing>
-    <p:tnLst>
-      <p:par>
-        <p:cTn id="1" dur="indefinite" restart="never" nodeType="tmRoot"/>
-      </p:par>
-    </p:tnLst>
-  </p:timing>
 </p:sld>
 </file>
 
@@ -6800,92 +7170,62 @@
           <a:lstStyle/>
           <a:p>
             <a:r>
-              <a:rPr kumimoji="1" lang="ja-JP" altLang="en-US" dirty="0" smtClean="0"/>
-              <a:t>そのために実装したもの</a:t>
-            </a:r>
+              <a:rPr kumimoji="1" lang="ja-JP" altLang="en-US" dirty="0"/>
+              <a:t>仮説</a:t>
+            </a:r>
+          </a:p>
+        </p:txBody>
+      </p:sp>
+      <p:sp>
+        <p:nvSpPr>
+          <p:cNvPr id="3" name="コンテンツ プレースホルダー 2"/>
+          <p:cNvSpPr>
+            <a:spLocks noGrp="1"/>
+          </p:cNvSpPr>
+          <p:nvPr>
+            <p:ph idx="1"/>
+          </p:nvPr>
+        </p:nvSpPr>
+        <p:spPr/>
+        <p:txBody>
+          <a:bodyPr/>
+          <a:lstStyle/>
+          <a:p>
+            <a:r>
+              <a:rPr lang="ja-JP" altLang="en-US" sz="3200" dirty="0"/>
+              <a:t>部屋を選ぶときは条件がいっぱい。</a:t>
+            </a:r>
+            <a:endParaRPr lang="en-US" altLang="ja-JP" sz="3200" dirty="0"/>
+          </a:p>
+          <a:p>
+            <a:r>
+              <a:rPr lang="ja-JP" altLang="en-US" sz="3200" dirty="0"/>
+              <a:t>しかし条件を絞りすぎてしまったならそれに合う物件も減ってしまう。</a:t>
+            </a:r>
+            <a:endParaRPr lang="en-US" altLang="ja-JP" sz="3200" dirty="0"/>
+          </a:p>
+          <a:p>
+            <a:r>
+              <a:rPr lang="ja-JP" altLang="en-US" sz="3200" dirty="0"/>
+              <a:t>つまり、自分と物件の条件の折り合いをつけて納得できる物件を探すことが大切。</a:t>
+            </a:r>
+            <a:endParaRPr lang="en-US" altLang="ja-JP" sz="3200" dirty="0"/>
+          </a:p>
+          <a:p>
             <a:endParaRPr kumimoji="1" lang="ja-JP" altLang="en-US" dirty="0"/>
-          </a:p>
-        </p:txBody>
-      </p:sp>
-      <p:sp>
-        <p:nvSpPr>
-          <p:cNvPr id="3" name="コンテンツ プレースホルダー 2"/>
-          <p:cNvSpPr>
-            <a:spLocks noGrp="1"/>
-          </p:cNvSpPr>
-          <p:nvPr>
-            <p:ph idx="1"/>
-          </p:nvPr>
-        </p:nvSpPr>
-        <p:spPr/>
-        <p:txBody>
-          <a:bodyPr>
-            <a:normAutofit/>
-          </a:bodyPr>
-          <a:lstStyle/>
-          <a:p>
-            <a:r>
-              <a:rPr kumimoji="1" lang="en-US" altLang="ja-JP" sz="3200" dirty="0" smtClean="0"/>
-              <a:t>CSS</a:t>
-            </a:r>
-            <a:r>
-              <a:rPr kumimoji="1" lang="ja-JP" altLang="en-US" sz="3200" dirty="0" smtClean="0"/>
-              <a:t>と</a:t>
-            </a:r>
-            <a:r>
-              <a:rPr lang="en-US" altLang="ja-JP" sz="3200" dirty="0" smtClean="0"/>
-              <a:t>bootstrap</a:t>
-            </a:r>
-            <a:r>
-              <a:rPr lang="ja-JP" altLang="en-US" sz="3200" dirty="0" smtClean="0"/>
-              <a:t>を用い、</a:t>
-            </a:r>
-            <a:r>
-              <a:rPr lang="en-US" altLang="ja-JP" sz="3200" dirty="0" smtClean="0"/>
-              <a:t>UI</a:t>
-            </a:r>
-            <a:r>
-              <a:rPr lang="ja-JP" altLang="en-US" sz="3200" dirty="0" smtClean="0"/>
-              <a:t>を工夫。</a:t>
-            </a:r>
-            <a:endParaRPr lang="en-US" altLang="ja-JP" sz="3200" dirty="0" smtClean="0"/>
-          </a:p>
-          <a:p>
-            <a:r>
-              <a:rPr lang="ja-JP" altLang="en-US" sz="3200" dirty="0" smtClean="0"/>
-              <a:t>ヒートマップを用い、だいたいの場所を把握</a:t>
-            </a:r>
-            <a:endParaRPr lang="en-US" altLang="ja-JP" sz="3200" dirty="0" smtClean="0"/>
-          </a:p>
-          <a:p>
-            <a:r>
-              <a:rPr lang="ja-JP" altLang="en-US" sz="3200" dirty="0" smtClean="0"/>
-              <a:t>詳しく知りたい場合は下のリストを確認</a:t>
-            </a:r>
-            <a:endParaRPr lang="en-US" altLang="ja-JP" sz="3200" dirty="0" smtClean="0"/>
-          </a:p>
-          <a:p>
-            <a:endParaRPr kumimoji="1" lang="ja-JP" altLang="en-US" sz="3200" dirty="0"/>
           </a:p>
         </p:txBody>
       </p:sp>
     </p:spTree>
     <p:extLst>
       <p:ext uri="{BB962C8B-B14F-4D97-AF65-F5344CB8AC3E}">
-        <p14:creationId xmlns:p14="http://schemas.microsoft.com/office/powerpoint/2010/main" val="1925391069"/>
+        <p14:creationId xmlns:p14="http://schemas.microsoft.com/office/powerpoint/2010/main" val="2712485828"/>
       </p:ext>
     </p:extLst>
   </p:cSld>
   <p:clrMapOvr>
     <a:masterClrMapping/>
   </p:clrMapOvr>
-  <p:timing>
-    <p:tnLst>
-      <p:par>
-        <p:cTn id="1" dur="indefinite" restart="never" nodeType="tmRoot"/>
-      </p:par>
-    </p:tnLst>
-  </p:timing>
 </p:sld>
 </file>
 
@@ -6908,29 +7248,6 @@
       </p:grpSpPr>
       <p:sp>
         <p:nvSpPr>
-          <p:cNvPr id="2" name="タイトル 1"/>
-          <p:cNvSpPr>
-            <a:spLocks noGrp="1"/>
-          </p:cNvSpPr>
-          <p:nvPr>
-            <p:ph type="title"/>
-          </p:nvPr>
-        </p:nvSpPr>
-        <p:spPr/>
-        <p:txBody>
-          <a:bodyPr/>
-          <a:lstStyle/>
-          <a:p>
-            <a:r>
-              <a:rPr kumimoji="1" lang="en-US" altLang="ja-JP" dirty="0" smtClean="0"/>
-              <a:t>Demo</a:t>
-            </a:r>
-            <a:endParaRPr kumimoji="1" lang="ja-JP" altLang="en-US" dirty="0"/>
-          </a:p>
-        </p:txBody>
-      </p:sp>
-      <p:sp>
-        <p:nvSpPr>
           <p:cNvPr id="3" name="コンテンツ プレースホルダー 2"/>
           <p:cNvSpPr>
             <a:spLocks noGrp="1"/>
@@ -6939,31 +7256,154 @@
             <p:ph idx="1"/>
           </p:nvPr>
         </p:nvSpPr>
-        <p:spPr/>
+        <p:spPr>
+          <a:xfrm>
+            <a:off x="130833" y="897148"/>
+            <a:ext cx="11930331" cy="5952225"/>
+          </a:xfrm>
+        </p:spPr>
         <p:txBody>
           <a:bodyPr>
             <a:normAutofit/>
           </a:bodyPr>
           <a:lstStyle/>
           <a:p>
-            <a:r>
-              <a:rPr lang="ja-JP" altLang="en-US" sz="4000" dirty="0" smtClean="0"/>
-              <a:t>とりあえず見てください。</a:t>
-            </a:r>
-            <a:endParaRPr kumimoji="1" lang="ja-JP" altLang="en-US" sz="4000" dirty="0"/>
+            <a:pPr marL="0" indent="0" algn="ctr">
+              <a:buNone/>
+            </a:pPr>
+            <a:r>
+              <a:rPr kumimoji="1" lang="ja-JP" altLang="en-US" sz="6600" dirty="0"/>
+              <a:t>探しやすい。見つけやすい。</a:t>
+            </a:r>
+          </a:p>
+        </p:txBody>
+      </p:sp>
+      <p:sp>
+        <p:nvSpPr>
+          <p:cNvPr id="4" name="タイトル 3"/>
+          <p:cNvSpPr>
+            <a:spLocks noGrp="1"/>
+          </p:cNvSpPr>
+          <p:nvPr>
+            <p:ph type="title"/>
+          </p:nvPr>
+        </p:nvSpPr>
+        <p:spPr/>
+        <p:txBody>
+          <a:bodyPr/>
+          <a:lstStyle/>
+          <a:p>
+            <a:r>
+              <a:rPr kumimoji="1" lang="ja-JP" altLang="en-US" dirty="0"/>
+              <a:t>今回作成したテーマ</a:t>
+            </a:r>
           </a:p>
         </p:txBody>
       </p:sp>
     </p:spTree>
     <p:extLst>
       <p:ext uri="{BB962C8B-B14F-4D97-AF65-F5344CB8AC3E}">
-        <p14:creationId xmlns:p14="http://schemas.microsoft.com/office/powerpoint/2010/main" val="994925261"/>
+        <p14:creationId xmlns:p14="http://schemas.microsoft.com/office/powerpoint/2010/main" val="1719344137"/>
       </p:ext>
     </p:extLst>
   </p:cSld>
   <p:clrMapOvr>
     <a:masterClrMapping/>
   </p:clrMapOvr>
+  <p:timing>
+    <p:tnLst>
+      <p:par>
+        <p:cTn id="1" dur="indefinite" restart="never" nodeType="tmRoot">
+          <p:childTnLst>
+            <p:seq concurrent="1" nextAc="seek">
+              <p:cTn id="2" dur="indefinite" nodeType="mainSeq">
+                <p:childTnLst>
+                  <p:par>
+                    <p:cTn id="3" fill="hold">
+                      <p:stCondLst>
+                        <p:cond delay="indefinite"/>
+                      </p:stCondLst>
+                      <p:childTnLst>
+                        <p:par>
+                          <p:cTn id="4" fill="hold">
+                            <p:stCondLst>
+                              <p:cond delay="0"/>
+                            </p:stCondLst>
+                            <p:childTnLst>
+                              <p:par>
+                                <p:cTn id="5" presetID="10" presetClass="entr" presetSubtype="0" fill="hold" grpId="0" nodeType="clickEffect">
+                                  <p:stCondLst>
+                                    <p:cond delay="0"/>
+                                  </p:stCondLst>
+                                  <p:childTnLst>
+                                    <p:set>
+                                      <p:cBhvr>
+                                        <p:cTn id="6" dur="1" fill="hold">
+                                          <p:stCondLst>
+                                            <p:cond delay="0"/>
+                                          </p:stCondLst>
+                                        </p:cTn>
+                                        <p:tgtEl>
+                                          <p:spTgt spid="3">
+                                            <p:txEl>
+                                              <p:pRg st="0" end="0"/>
+                                            </p:txEl>
+                                          </p:spTgt>
+                                        </p:tgtEl>
+                                        <p:attrNameLst>
+                                          <p:attrName>style.visibility</p:attrName>
+                                        </p:attrNameLst>
+                                      </p:cBhvr>
+                                      <p:to>
+                                        <p:strVal val="visible"/>
+                                      </p:to>
+                                    </p:set>
+                                    <p:animEffect transition="in" filter="fade">
+                                      <p:cBhvr>
+                                        <p:cTn id="7" dur="500"/>
+                                        <p:tgtEl>
+                                          <p:spTgt spid="3">
+                                            <p:txEl>
+                                              <p:pRg st="0" end="0"/>
+                                            </p:txEl>
+                                          </p:spTgt>
+                                        </p:tgtEl>
+                                      </p:cBhvr>
+                                    </p:animEffect>
+                                  </p:childTnLst>
+                                </p:cTn>
+                              </p:par>
+                            </p:childTnLst>
+                          </p:cTn>
+                        </p:par>
+                      </p:childTnLst>
+                    </p:cTn>
+                  </p:par>
+                </p:childTnLst>
+              </p:cTn>
+              <p:prevCondLst>
+                <p:cond evt="onPrev" delay="0">
+                  <p:tgtEl>
+                    <p:sldTgt/>
+                  </p:tgtEl>
+                </p:cond>
+              </p:prevCondLst>
+              <p:nextCondLst>
+                <p:cond evt="onNext" delay="0">
+                  <p:tgtEl>
+                    <p:sldTgt/>
+                  </p:tgtEl>
+                </p:cond>
+              </p:nextCondLst>
+            </p:seq>
+          </p:childTnLst>
+        </p:cTn>
+      </p:par>
+    </p:tnLst>
+    <p:bldLst>
+      <p:bldP spid="3" grpId="0" build="p"/>
+    </p:bldLst>
+  </p:timing>
 </p:sld>
 </file>
 
@@ -7000,10 +7440,9 @@
           <a:lstStyle/>
           <a:p>
             <a:r>
-              <a:rPr lang="ja-JP" altLang="en-US" dirty="0" smtClean="0"/>
-              <a:t>今後の課題</a:t>
-            </a:r>
-            <a:endParaRPr kumimoji="1" lang="ja-JP" altLang="en-US" dirty="0"/>
+              <a:rPr kumimoji="1" lang="ja-JP" altLang="en-US" dirty="0"/>
+              <a:t>そのために実装したもの</a:t>
+            </a:r>
           </a:p>
         </p:txBody>
       </p:sp>
@@ -7025,27 +7464,46 @@
           <a:lstStyle/>
           <a:p>
             <a:r>
-              <a:rPr kumimoji="1" lang="ja-JP" altLang="en-US" sz="3200" dirty="0" smtClean="0"/>
-              <a:t>処理を軽くする</a:t>
-            </a:r>
-            <a:endParaRPr kumimoji="1" lang="en-US" altLang="ja-JP" sz="3200" dirty="0" smtClean="0"/>
-          </a:p>
-          <a:p>
-            <a:r>
-              <a:rPr lang="en-US" altLang="ja-JP" sz="3200" dirty="0" smtClean="0"/>
+              <a:rPr kumimoji="1" lang="en-US" altLang="ja-JP" sz="3200" dirty="0"/>
+              <a:t>CSS</a:t>
+            </a:r>
+            <a:r>
+              <a:rPr kumimoji="1" lang="ja-JP" altLang="en-US" sz="3200" dirty="0"/>
+              <a:t>と</a:t>
+            </a:r>
+            <a:r>
+              <a:rPr lang="en-US" altLang="ja-JP" sz="3200" dirty="0"/>
+              <a:t>bootstrap</a:t>
+            </a:r>
+            <a:r>
+              <a:rPr lang="ja-JP" altLang="en-US" sz="3200" dirty="0"/>
+              <a:t>を用い、</a:t>
+            </a:r>
+            <a:r>
+              <a:rPr lang="en-US" altLang="ja-JP" sz="3200" dirty="0"/>
               <a:t>UI</a:t>
             </a:r>
             <a:r>
-              <a:rPr lang="ja-JP" altLang="en-US" sz="3200" dirty="0" smtClean="0"/>
-              <a:t>のさらなる改善</a:t>
-            </a:r>
-            <a:endParaRPr lang="en-US" altLang="ja-JP" sz="3200" dirty="0" smtClean="0"/>
-          </a:p>
-          <a:p>
-            <a:r>
-              <a:rPr lang="ja-JP" altLang="en-US" sz="3200" dirty="0" smtClean="0"/>
-              <a:t>機能の追加など</a:t>
-            </a:r>
+              <a:rPr lang="ja-JP" altLang="en-US" sz="3200" dirty="0"/>
+              <a:t>を工夫。</a:t>
+            </a:r>
+            <a:endParaRPr lang="en-US" altLang="ja-JP" sz="3200" dirty="0"/>
+          </a:p>
+          <a:p>
+            <a:r>
+              <a:rPr lang="ja-JP" altLang="en-US" sz="3200" dirty="0"/>
+              <a:t>ヒートマップを用い、だいたいの場所を把握。</a:t>
+            </a:r>
+            <a:endParaRPr lang="en-US" altLang="ja-JP" sz="3200" dirty="0"/>
+          </a:p>
+          <a:p>
+            <a:r>
+              <a:rPr lang="ja-JP" altLang="en-US" sz="3200" dirty="0"/>
+              <a:t>詳しく知りたい場合は下のリストを確認。</a:t>
+            </a:r>
+            <a:endParaRPr lang="en-US" altLang="ja-JP" sz="3200" dirty="0"/>
+          </a:p>
+          <a:p>
             <a:endParaRPr kumimoji="1" lang="ja-JP" altLang="en-US" sz="3200" dirty="0"/>
           </a:p>
         </p:txBody>
@@ -7053,7 +7511,7 @@
     </p:spTree>
     <p:extLst>
       <p:ext uri="{BB962C8B-B14F-4D97-AF65-F5344CB8AC3E}">
-        <p14:creationId xmlns:p14="http://schemas.microsoft.com/office/powerpoint/2010/main" val="1746554679"/>
+        <p14:creationId xmlns:p14="http://schemas.microsoft.com/office/powerpoint/2010/main" val="1925391069"/>
       </p:ext>
     </p:extLst>
   </p:cSld>
@@ -7087,7 +7545,7 @@
             <a:spLocks noGrp="1"/>
           </p:cNvSpPr>
           <p:nvPr>
-            <p:ph type="ctrTitle"/>
+            <p:ph type="title"/>
           </p:nvPr>
         </p:nvSpPr>
         <p:spPr/>
@@ -7096,17 +7554,42 @@
           <a:lstStyle/>
           <a:p>
             <a:r>
-              <a:rPr kumimoji="1" lang="ja-JP" altLang="en-US" dirty="0" smtClean="0"/>
-              <a:t>ご清聴ありがとうございました。</a:t>
+              <a:rPr kumimoji="1" lang="en-US" altLang="ja-JP" dirty="0"/>
+              <a:t>Demo</a:t>
             </a:r>
             <a:endParaRPr kumimoji="1" lang="ja-JP" altLang="en-US" dirty="0"/>
+          </a:p>
+        </p:txBody>
+      </p:sp>
+      <p:sp>
+        <p:nvSpPr>
+          <p:cNvPr id="3" name="コンテンツ プレースホルダー 2"/>
+          <p:cNvSpPr>
+            <a:spLocks noGrp="1"/>
+          </p:cNvSpPr>
+          <p:nvPr>
+            <p:ph idx="1"/>
+          </p:nvPr>
+        </p:nvSpPr>
+        <p:spPr/>
+        <p:txBody>
+          <a:bodyPr>
+            <a:normAutofit/>
+          </a:bodyPr>
+          <a:lstStyle/>
+          <a:p>
+            <a:r>
+              <a:rPr lang="ja-JP" altLang="en-US" sz="4000" dirty="0"/>
+              <a:t>とりあえず見てください。</a:t>
+            </a:r>
+            <a:endParaRPr kumimoji="1" lang="ja-JP" altLang="en-US" sz="4000" dirty="0"/>
           </a:p>
         </p:txBody>
       </p:sp>
     </p:spTree>
     <p:extLst>
       <p:ext uri="{BB962C8B-B14F-4D97-AF65-F5344CB8AC3E}">
-        <p14:creationId xmlns:p14="http://schemas.microsoft.com/office/powerpoint/2010/main" val="706115758"/>
+        <p14:creationId xmlns:p14="http://schemas.microsoft.com/office/powerpoint/2010/main" val="994925261"/>
       </p:ext>
     </p:extLst>
   </p:cSld>
